--- a/project/YouClipAI Overview.pptx
+++ b/project/YouClipAI Overview.pptx
@@ -104,6 +104,11 @@
       </a:defRPr>
     </a:lvl9pPr>
   </p:defaultTextStyle>
+  <p:extLst>
+    <p:ext uri="{EFAFB233-063F-42B5-8137-9DF3F51BA10A}">
+      <p15:sldGuideLst xmlns:p15="http://schemas.microsoft.com/office/powerpoint/2012/main"/>
+    </p:ext>
+  </p:extLst>
 </p:presentation>
 </file>
 
@@ -254,7 +259,7 @@
           <a:p>
             <a:fld id="{4005474C-0E79-4467-940F-179731F0A581}" type="datetimeFigureOut">
               <a:rPr lang="en-US" smtClean="0"/>
-              <a:t>10/3/2024</a:t>
+              <a:t>12/5/2024</a:t>
             </a:fld>
             <a:endParaRPr lang="en-US"/>
           </a:p>
@@ -452,7 +457,7 @@
           <a:p>
             <a:fld id="{4005474C-0E79-4467-940F-179731F0A581}" type="datetimeFigureOut">
               <a:rPr lang="en-US" smtClean="0"/>
-              <a:t>10/3/2024</a:t>
+              <a:t>12/5/2024</a:t>
             </a:fld>
             <a:endParaRPr lang="en-US"/>
           </a:p>
@@ -660,7 +665,7 @@
           <a:p>
             <a:fld id="{4005474C-0E79-4467-940F-179731F0A581}" type="datetimeFigureOut">
               <a:rPr lang="en-US" smtClean="0"/>
-              <a:t>10/3/2024</a:t>
+              <a:t>12/5/2024</a:t>
             </a:fld>
             <a:endParaRPr lang="en-US"/>
           </a:p>
@@ -858,7 +863,7 @@
           <a:p>
             <a:fld id="{4005474C-0E79-4467-940F-179731F0A581}" type="datetimeFigureOut">
               <a:rPr lang="en-US" smtClean="0"/>
-              <a:t>10/3/2024</a:t>
+              <a:t>12/5/2024</a:t>
             </a:fld>
             <a:endParaRPr lang="en-US"/>
           </a:p>
@@ -1133,7 +1138,7 @@
           <a:p>
             <a:fld id="{4005474C-0E79-4467-940F-179731F0A581}" type="datetimeFigureOut">
               <a:rPr lang="en-US" smtClean="0"/>
-              <a:t>10/3/2024</a:t>
+              <a:t>12/5/2024</a:t>
             </a:fld>
             <a:endParaRPr lang="en-US"/>
           </a:p>
@@ -1398,7 +1403,7 @@
           <a:p>
             <a:fld id="{4005474C-0E79-4467-940F-179731F0A581}" type="datetimeFigureOut">
               <a:rPr lang="en-US" smtClean="0"/>
-              <a:t>10/3/2024</a:t>
+              <a:t>12/5/2024</a:t>
             </a:fld>
             <a:endParaRPr lang="en-US"/>
           </a:p>
@@ -1810,7 +1815,7 @@
           <a:p>
             <a:fld id="{4005474C-0E79-4467-940F-179731F0A581}" type="datetimeFigureOut">
               <a:rPr lang="en-US" smtClean="0"/>
-              <a:t>10/3/2024</a:t>
+              <a:t>12/5/2024</a:t>
             </a:fld>
             <a:endParaRPr lang="en-US"/>
           </a:p>
@@ -1951,7 +1956,7 @@
           <a:p>
             <a:fld id="{4005474C-0E79-4467-940F-179731F0A581}" type="datetimeFigureOut">
               <a:rPr lang="en-US" smtClean="0"/>
-              <a:t>10/3/2024</a:t>
+              <a:t>12/5/2024</a:t>
             </a:fld>
             <a:endParaRPr lang="en-US"/>
           </a:p>
@@ -2064,7 +2069,7 @@
           <a:p>
             <a:fld id="{4005474C-0E79-4467-940F-179731F0A581}" type="datetimeFigureOut">
               <a:rPr lang="en-US" smtClean="0"/>
-              <a:t>10/3/2024</a:t>
+              <a:t>12/5/2024</a:t>
             </a:fld>
             <a:endParaRPr lang="en-US"/>
           </a:p>
@@ -2375,7 +2380,7 @@
           <a:p>
             <a:fld id="{4005474C-0E79-4467-940F-179731F0A581}" type="datetimeFigureOut">
               <a:rPr lang="en-US" smtClean="0"/>
-              <a:t>10/3/2024</a:t>
+              <a:t>12/5/2024</a:t>
             </a:fld>
             <a:endParaRPr lang="en-US"/>
           </a:p>
@@ -2663,7 +2668,7 @@
           <a:p>
             <a:fld id="{4005474C-0E79-4467-940F-179731F0A581}" type="datetimeFigureOut">
               <a:rPr lang="en-US" smtClean="0"/>
-              <a:t>10/3/2024</a:t>
+              <a:t>12/5/2024</a:t>
             </a:fld>
             <a:endParaRPr lang="en-US"/>
           </a:p>
@@ -2904,7 +2909,7 @@
           <a:p>
             <a:fld id="{4005474C-0E79-4467-940F-179731F0A581}" type="datetimeFigureOut">
               <a:rPr lang="en-US" smtClean="0"/>
-              <a:t>10/3/2024</a:t>
+              <a:t>12/5/2024</a:t>
             </a:fld>
             <a:endParaRPr lang="en-US"/>
           </a:p>
@@ -3321,1835 +3326,1610 @@
           <a:chExt cx="0" cy="0"/>
         </a:xfrm>
       </p:grpSpPr>
-      <p:grpSp>
-        <p:nvGrpSpPr>
-          <p:cNvPr id="125" name="Group 124">
-            <a:extLst>
-              <a:ext uri="{FF2B5EF4-FFF2-40B4-BE49-F238E27FC236}">
-                <a16:creationId xmlns:a16="http://schemas.microsoft.com/office/drawing/2014/main" id="{E6A2EF80-AFC6-8FA6-D67C-CA226D77FC30}"/>
-              </a:ext>
-            </a:extLst>
-          </p:cNvPr>
-          <p:cNvGrpSpPr/>
+      <p:sp>
+        <p:nvSpPr>
+          <p:cNvPr id="6" name="TextBox 5">
+            <a:extLst>
+              <a:ext uri="{FF2B5EF4-FFF2-40B4-BE49-F238E27FC236}">
+                <a16:creationId xmlns:a16="http://schemas.microsoft.com/office/drawing/2014/main" id="{A4FD1443-B59B-7A23-E309-07A7C6E65496}"/>
+              </a:ext>
+            </a:extLst>
+          </p:cNvPr>
+          <p:cNvSpPr txBox="1"/>
           <p:nvPr/>
-        </p:nvGrpSpPr>
-        <p:grpSpPr>
+        </p:nvSpPr>
+        <p:spPr>
           <a:xfrm>
-            <a:off x="656916" y="414337"/>
-            <a:ext cx="10878168" cy="6029326"/>
-            <a:chOff x="575308" y="475219"/>
-            <a:chExt cx="10878168" cy="6029326"/>
-          </a:xfrm>
-        </p:grpSpPr>
-        <p:grpSp>
-          <p:nvGrpSpPr>
-            <p:cNvPr id="120" name="Group 119">
-              <a:extLst>
-                <a:ext uri="{FF2B5EF4-FFF2-40B4-BE49-F238E27FC236}">
-                  <a16:creationId xmlns:a16="http://schemas.microsoft.com/office/drawing/2014/main" id="{2A04527B-3F2C-0DDF-A33D-681FEE9BA764}"/>
-                </a:ext>
-              </a:extLst>
-            </p:cNvPr>
-            <p:cNvGrpSpPr/>
-            <p:nvPr/>
-          </p:nvGrpSpPr>
-          <p:grpSpPr>
-            <a:xfrm>
-              <a:off x="986232" y="1204587"/>
-              <a:ext cx="10219536" cy="4917105"/>
-              <a:chOff x="1376554" y="1055921"/>
-              <a:chExt cx="10219536" cy="4917105"/>
-            </a:xfrm>
-          </p:grpSpPr>
-          <p:grpSp>
-            <p:nvGrpSpPr>
-              <p:cNvPr id="47" name="Group 46">
-                <a:extLst>
-                  <a:ext uri="{FF2B5EF4-FFF2-40B4-BE49-F238E27FC236}">
-                    <a16:creationId xmlns:a16="http://schemas.microsoft.com/office/drawing/2014/main" id="{6EDF6227-43EF-DA72-2A3E-A340D19BA91C}"/>
-                  </a:ext>
-                </a:extLst>
-              </p:cNvPr>
-              <p:cNvGrpSpPr/>
-              <p:nvPr/>
-            </p:nvGrpSpPr>
-            <p:grpSpPr>
-              <a:xfrm>
-                <a:off x="1376554" y="1208824"/>
-                <a:ext cx="4446268" cy="4764202"/>
-                <a:chOff x="4395979" y="159500"/>
-                <a:chExt cx="4446268" cy="4764202"/>
-              </a:xfrm>
-            </p:grpSpPr>
-            <p:sp>
-              <p:nvSpPr>
-                <p:cNvPr id="6" name="TextBox 5">
-                  <a:extLst>
-                    <a:ext uri="{FF2B5EF4-FFF2-40B4-BE49-F238E27FC236}">
-                      <a16:creationId xmlns:a16="http://schemas.microsoft.com/office/drawing/2014/main" id="{A4FD1443-B59B-7A23-E309-07A7C6E65496}"/>
-                    </a:ext>
-                  </a:extLst>
-                </p:cNvPr>
-                <p:cNvSpPr txBox="1"/>
-                <p:nvPr/>
-              </p:nvSpPr>
-              <p:spPr>
-                <a:xfrm>
-                  <a:off x="5441442" y="159500"/>
-                  <a:ext cx="1188720" cy="307777"/>
-                </a:xfrm>
-                <a:prstGeom prst="rect">
-                  <a:avLst/>
-                </a:prstGeom>
-                <a:noFill/>
-              </p:spPr>
-              <p:txBody>
-                <a:bodyPr wrap="square" rtlCol="0">
-                  <a:spAutoFit/>
-                </a:bodyPr>
-                <a:lstStyle/>
-                <a:p>
-                  <a:r>
-                    <a:rPr lang="en-US" sz="1400" dirty="0"/>
-                    <a:t>User Prompt</a:t>
-                  </a:r>
-                </a:p>
-              </p:txBody>
-            </p:sp>
-            <p:sp>
-              <p:nvSpPr>
-                <p:cNvPr id="7" name="Rectangle: Rounded Corners 6">
-                  <a:extLst>
-                    <a:ext uri="{FF2B5EF4-FFF2-40B4-BE49-F238E27FC236}">
-                      <a16:creationId xmlns:a16="http://schemas.microsoft.com/office/drawing/2014/main" id="{2BD5C896-3412-EEB9-86A6-4A21EDD6FB85}"/>
-                    </a:ext>
-                  </a:extLst>
-                </p:cNvPr>
-                <p:cNvSpPr/>
-                <p:nvPr/>
-              </p:nvSpPr>
-              <p:spPr>
-                <a:xfrm>
-                  <a:off x="5240274" y="658946"/>
-                  <a:ext cx="1591056" cy="385552"/>
-                </a:xfrm>
-                <a:prstGeom prst="roundRect">
-                  <a:avLst/>
-                </a:prstGeom>
+            <a:off x="2568738" y="810138"/>
+            <a:ext cx="1188720" cy="307777"/>
+          </a:xfrm>
+          <a:prstGeom prst="rect">
+            <a:avLst/>
+          </a:prstGeom>
+          <a:noFill/>
+        </p:spPr>
+        <p:txBody>
+          <a:bodyPr wrap="square" rtlCol="0">
+            <a:spAutoFit/>
+          </a:bodyPr>
+          <a:lstStyle/>
+          <a:p>
+            <a:r>
+              <a:rPr lang="en-US" sz="1400" dirty="0"/>
+              <a:t>User Prompt</a:t>
+            </a:r>
+          </a:p>
+        </p:txBody>
+      </p:sp>
+      <p:sp>
+        <p:nvSpPr>
+          <p:cNvPr id="7" name="Rectangle: Rounded Corners 6">
+            <a:extLst>
+              <a:ext uri="{FF2B5EF4-FFF2-40B4-BE49-F238E27FC236}">
+                <a16:creationId xmlns:a16="http://schemas.microsoft.com/office/drawing/2014/main" id="{2BD5C896-3412-EEB9-86A6-4A21EDD6FB85}"/>
+              </a:ext>
+            </a:extLst>
+          </p:cNvPr>
+          <p:cNvSpPr/>
+          <p:nvPr/>
+        </p:nvSpPr>
+        <p:spPr>
+          <a:xfrm>
+            <a:off x="2367570" y="1395715"/>
+            <a:ext cx="1591056" cy="385552"/>
+          </a:xfrm>
+          <a:prstGeom prst="roundRect">
+            <a:avLst/>
+          </a:prstGeom>
+          <a:solidFill>
+            <a:schemeClr val="accent6"/>
+          </a:solidFill>
+          <a:ln>
+            <a:noFill/>
+          </a:ln>
+        </p:spPr>
+        <p:style>
+          <a:lnRef idx="0">
+            <a:scrgbClr r="0" g="0" b="0"/>
+          </a:lnRef>
+          <a:fillRef idx="0">
+            <a:scrgbClr r="0" g="0" b="0"/>
+          </a:fillRef>
+          <a:effectRef idx="0">
+            <a:scrgbClr r="0" g="0" b="0"/>
+          </a:effectRef>
+          <a:fontRef idx="minor">
+            <a:schemeClr val="lt1"/>
+          </a:fontRef>
+        </p:style>
+        <p:txBody>
+          <a:bodyPr rtlCol="0" anchor="ctr"/>
+          <a:lstStyle/>
+          <a:p>
+            <a:pPr algn="ctr"/>
+            <a:r>
+              <a:rPr lang="en-US" sz="1000" dirty="0"/>
+              <a:t>LLM </a:t>
+            </a:r>
+          </a:p>
+          <a:p>
+            <a:pPr algn="ctr"/>
+            <a:r>
+              <a:rPr lang="en-US" sz="1000" dirty="0"/>
+              <a:t>(overview)</a:t>
+            </a:r>
+          </a:p>
+        </p:txBody>
+      </p:sp>
+      <p:sp>
+        <p:nvSpPr>
+          <p:cNvPr id="8" name="TextBox 7">
+            <a:extLst>
+              <a:ext uri="{FF2B5EF4-FFF2-40B4-BE49-F238E27FC236}">
+                <a16:creationId xmlns:a16="http://schemas.microsoft.com/office/drawing/2014/main" id="{7799E900-4484-9C60-9942-8BD5A31AE82A}"/>
+              </a:ext>
+            </a:extLst>
+          </p:cNvPr>
+          <p:cNvSpPr txBox="1"/>
+          <p:nvPr/>
+        </p:nvSpPr>
+        <p:spPr>
+          <a:xfrm>
+            <a:off x="1539037" y="2025913"/>
+            <a:ext cx="3248121" cy="246221"/>
+          </a:xfrm>
+          <a:prstGeom prst="rect">
+            <a:avLst/>
+          </a:prstGeom>
+          <a:noFill/>
+        </p:spPr>
+        <p:txBody>
+          <a:bodyPr wrap="square" rtlCol="0" anchor="ctr">
+            <a:spAutoFit/>
+          </a:bodyPr>
+          <a:lstStyle/>
+          <a:p>
+            <a:pPr algn="ctr" rtl="0">
+              <a:spcBef>
+                <a:spcPts val="0"/>
+              </a:spcBef>
+              <a:spcAft>
+                <a:spcPts val="0"/>
+              </a:spcAft>
+            </a:pPr>
+            <a:r>
+              <a:rPr lang="en-US" sz="1000" b="0" i="0" u="none" strike="noStrike" dirty="0">
                 <a:solidFill>
-                  <a:schemeClr val="accent6"/>
+                  <a:srgbClr val="595959"/>
                 </a:solidFill>
-                <a:ln>
-                  <a:noFill/>
-                </a:ln>
-              </p:spPr>
-              <p:style>
-                <a:lnRef idx="0">
-                  <a:scrgbClr r="0" g="0" b="0"/>
-                </a:lnRef>
-                <a:fillRef idx="0">
-                  <a:scrgbClr r="0" g="0" b="0"/>
-                </a:fillRef>
-                <a:effectRef idx="0">
-                  <a:scrgbClr r="0" g="0" b="0"/>
-                </a:effectRef>
-                <a:fontRef idx="minor">
-                  <a:schemeClr val="lt1"/>
-                </a:fontRef>
-              </p:style>
-              <p:txBody>
-                <a:bodyPr rtlCol="0" anchor="ctr"/>
-                <a:lstStyle/>
-                <a:p>
-                  <a:pPr algn="ctr"/>
-                  <a:r>
-                    <a:rPr lang="en-US" dirty="0"/>
-                    <a:t>LLM</a:t>
-                  </a:r>
-                </a:p>
-              </p:txBody>
-            </p:sp>
-            <p:sp>
-              <p:nvSpPr>
-                <p:cNvPr id="8" name="TextBox 7">
-                  <a:extLst>
-                    <a:ext uri="{FF2B5EF4-FFF2-40B4-BE49-F238E27FC236}">
-                      <a16:creationId xmlns:a16="http://schemas.microsoft.com/office/drawing/2014/main" id="{7799E900-4484-9C60-9942-8BD5A31AE82A}"/>
-                    </a:ext>
-                  </a:extLst>
-                </p:cNvPr>
-                <p:cNvSpPr txBox="1"/>
-                <p:nvPr/>
-              </p:nvSpPr>
-              <p:spPr>
-                <a:xfrm>
-                  <a:off x="6097523" y="1201280"/>
-                  <a:ext cx="2744724" cy="246221"/>
-                </a:xfrm>
-                <a:prstGeom prst="rect">
-                  <a:avLst/>
-                </a:prstGeom>
-                <a:noFill/>
-              </p:spPr>
-              <p:txBody>
-                <a:bodyPr wrap="square" rtlCol="0" anchor="ctr">
-                  <a:spAutoFit/>
-                </a:bodyPr>
-                <a:lstStyle/>
-                <a:p>
-                  <a:pPr algn="ctr" rtl="0">
-                    <a:spcBef>
-                      <a:spcPts val="0"/>
-                    </a:spcBef>
-                    <a:spcAft>
-                      <a:spcPts val="0"/>
-                    </a:spcAft>
-                  </a:pPr>
-                  <a:r>
-                    <a:rPr lang="en-US" sz="1000" b="0" i="0" u="none" strike="noStrike" dirty="0">
-                      <a:solidFill>
-                        <a:srgbClr val="595959"/>
-                      </a:solidFill>
-                      <a:effectLst/>
-                      <a:latin typeface="Arial" panose="020B0604020202020204" pitchFamily="34" charset="0"/>
-                    </a:rPr>
-                    <a:t>4W Framework</a:t>
-                  </a:r>
-                  <a:r>
-                    <a:rPr lang="en-US" sz="1000" dirty="0"/>
-                    <a:t> </a:t>
-                  </a:r>
-                  <a:r>
-                    <a:rPr lang="en-US" sz="1000" b="0" i="0" u="none" strike="noStrike" dirty="0">
-                      <a:solidFill>
-                        <a:srgbClr val="595959"/>
-                      </a:solidFill>
-                      <a:effectLst/>
-                      <a:latin typeface="Arial" panose="020B0604020202020204" pitchFamily="34" charset="0"/>
-                    </a:rPr>
-                    <a:t>(Who, Where, When, What)</a:t>
-                  </a:r>
-                  <a:endParaRPr lang="en-US" sz="1000" b="0" dirty="0">
-                    <a:effectLst/>
-                  </a:endParaRPr>
-                </a:p>
-              </p:txBody>
-            </p:sp>
-            <mc:AlternateContent xmlns:mc="http://schemas.openxmlformats.org/markup-compatibility/2006">
-              <mc:Choice xmlns:a14="http://schemas.microsoft.com/office/drawing/2010/main" Requires="a14">
-                <p:sp>
-                  <p:nvSpPr>
-                    <p:cNvPr id="9" name="Rectangle: Rounded Corners 8">
-                      <a:extLst>
-                        <a:ext uri="{FF2B5EF4-FFF2-40B4-BE49-F238E27FC236}">
-                          <a16:creationId xmlns:a16="http://schemas.microsoft.com/office/drawing/2014/main" id="{B705CBED-049A-689D-03AC-51688D251915}"/>
-                        </a:ext>
-                      </a:extLst>
-                    </p:cNvPr>
-                    <p:cNvSpPr/>
-                    <p:nvPr/>
-                  </p:nvSpPr>
-                  <p:spPr>
-                    <a:xfrm>
-                      <a:off x="4601719" y="1625734"/>
-                      <a:ext cx="2868166" cy="350818"/>
-                    </a:xfrm>
-                    <a:prstGeom prst="roundRect">
-                      <a:avLst/>
-                    </a:prstGeom>
-                    <a:solidFill>
-                      <a:schemeClr val="tx1"/>
-                    </a:solidFill>
-                    <a:ln>
-                      <a:noFill/>
-                    </a:ln>
-                  </p:spPr>
-                  <p:style>
-                    <a:lnRef idx="0">
-                      <a:scrgbClr r="0" g="0" b="0"/>
-                    </a:lnRef>
-                    <a:fillRef idx="0">
-                      <a:scrgbClr r="0" g="0" b="0"/>
-                    </a:fillRef>
-                    <a:effectRef idx="0">
-                      <a:scrgbClr r="0" g="0" b="0"/>
-                    </a:effectRef>
-                    <a:fontRef idx="minor">
-                      <a:schemeClr val="lt1"/>
-                    </a:fontRef>
-                  </p:style>
-                  <p:txBody>
-                    <a:bodyPr rtlCol="0" anchor="ctr"/>
-                    <a:lstStyle/>
-                    <a:p>
-                      <a:pPr algn="ctr"/>
-                      <a:r>
-                        <a:rPr lang="en-US" dirty="0"/>
-                        <a:t>YouTube Search (</a:t>
-                      </a:r>
-                      <a14:m>
-                        <m:oMath xmlns:m="http://schemas.openxmlformats.org/officeDocument/2006/math">
-                          <m:r>
-                            <a:rPr lang="en-US" b="0" i="1" smtClean="0">
-                              <a:latin typeface="Cambria Math" panose="02040503050406030204" pitchFamily="18" charset="0"/>
-                            </a:rPr>
-                            <m:t>𝑇</m:t>
-                          </m:r>
-                          <m:r>
-                            <a:rPr lang="en-US" b="0" i="1" smtClean="0">
-                              <a:latin typeface="Cambria Math" panose="02040503050406030204" pitchFamily="18" charset="0"/>
-                            </a:rPr>
-                            <m:t>, </m:t>
-                          </m:r>
-                          <m:r>
-                            <a:rPr lang="en-US" b="0" i="1" smtClean="0">
-                              <a:latin typeface="Cambria Math" panose="02040503050406030204" pitchFamily="18" charset="0"/>
-                            </a:rPr>
-                            <m:t>𝑁</m:t>
-                          </m:r>
-                          <m:r>
-                            <a:rPr lang="en-US" b="0" i="1" smtClean="0">
-                              <a:latin typeface="Cambria Math" panose="02040503050406030204" pitchFamily="18" charset="0"/>
-                            </a:rPr>
-                            <m:t>)</m:t>
-                          </m:r>
-                        </m:oMath>
-                      </a14:m>
-                      <a:endParaRPr lang="en-US" dirty="0"/>
-                    </a:p>
-                  </p:txBody>
-                </p:sp>
-              </mc:Choice>
-              <mc:Fallback>
-                <p:sp>
-                  <p:nvSpPr>
-                    <p:cNvPr id="9" name="Rectangle: Rounded Corners 8">
-                      <a:extLst>
-                        <a:ext uri="{FF2B5EF4-FFF2-40B4-BE49-F238E27FC236}">
-                          <a16:creationId xmlns:a16="http://schemas.microsoft.com/office/drawing/2014/main" id="{B705CBED-049A-689D-03AC-51688D251915}"/>
-                        </a:ext>
-                      </a:extLst>
-                    </p:cNvPr>
-                    <p:cNvSpPr>
-                      <a:spLocks noRot="1" noChangeAspect="1" noMove="1" noResize="1" noEditPoints="1" noAdjustHandles="1" noChangeArrowheads="1" noChangeShapeType="1" noTextEdit="1"/>
-                    </p:cNvSpPr>
-                    <p:nvPr/>
-                  </p:nvSpPr>
-                  <p:spPr>
-                    <a:xfrm>
-                      <a:off x="4601719" y="1625734"/>
-                      <a:ext cx="2868166" cy="350818"/>
-                    </a:xfrm>
-                    <a:prstGeom prst="roundRect">
-                      <a:avLst/>
-                    </a:prstGeom>
-                    <a:blipFill>
-                      <a:blip r:embed="rId2"/>
-                      <a:stretch>
-                        <a:fillRect t="-10345" b="-31034"/>
-                      </a:stretch>
-                    </a:blipFill>
-                    <a:ln>
-                      <a:noFill/>
-                    </a:ln>
-                  </p:spPr>
-                  <p:txBody>
-                    <a:bodyPr/>
-                    <a:lstStyle/>
-                    <a:p>
-                      <a:r>
-                        <a:rPr lang="en-US">
-                          <a:noFill/>
-                        </a:rPr>
-                        <a:t> </a:t>
-                      </a:r>
-                    </a:p>
-                  </p:txBody>
-                </p:sp>
-              </mc:Fallback>
-            </mc:AlternateContent>
-            <p:sp>
-              <p:nvSpPr>
-                <p:cNvPr id="11" name="TextBox 10">
-                  <a:extLst>
-                    <a:ext uri="{FF2B5EF4-FFF2-40B4-BE49-F238E27FC236}">
-                      <a16:creationId xmlns:a16="http://schemas.microsoft.com/office/drawing/2014/main" id="{5D32431F-41F1-CE7A-17D7-06F752639FAE}"/>
-                    </a:ext>
-                  </a:extLst>
-                </p:cNvPr>
-                <p:cNvSpPr txBox="1"/>
-                <p:nvPr/>
-              </p:nvSpPr>
-              <p:spPr>
-                <a:xfrm>
-                  <a:off x="4581910" y="2126911"/>
-                  <a:ext cx="1453892" cy="246221"/>
-                </a:xfrm>
-                <a:prstGeom prst="rect">
-                  <a:avLst/>
-                </a:prstGeom>
-                <a:noFill/>
-              </p:spPr>
-              <p:txBody>
-                <a:bodyPr wrap="square" rtlCol="0" anchor="ctr">
-                  <a:spAutoFit/>
-                </a:bodyPr>
-                <a:lstStyle/>
-                <a:p>
-                  <a:pPr algn="ctr" rtl="0">
-                    <a:spcBef>
-                      <a:spcPts val="0"/>
-                    </a:spcBef>
-                    <a:spcAft>
-                      <a:spcPts val="0"/>
-                    </a:spcAft>
-                  </a:pPr>
-                  <a:r>
-                    <a:rPr lang="en-US" sz="1000" dirty="0">
-                      <a:solidFill>
-                        <a:srgbClr val="595959"/>
-                      </a:solidFill>
-                      <a:latin typeface="Arial" panose="020B0604020202020204" pitchFamily="34" charset="0"/>
-                    </a:rPr>
-                    <a:t>Potential Candidates</a:t>
-                  </a:r>
-                  <a:endParaRPr lang="en-US" sz="1000" b="0" dirty="0">
-                    <a:effectLst/>
-                  </a:endParaRPr>
-                </a:p>
-              </p:txBody>
-            </p:sp>
-            <p:sp>
-              <p:nvSpPr>
-                <p:cNvPr id="12" name="Rectangle: Rounded Corners 11">
-                  <a:extLst>
-                    <a:ext uri="{FF2B5EF4-FFF2-40B4-BE49-F238E27FC236}">
-                      <a16:creationId xmlns:a16="http://schemas.microsoft.com/office/drawing/2014/main" id="{1B631C0E-06CE-89B9-DBA0-712CA7FA9C8D}"/>
-                    </a:ext>
-                  </a:extLst>
-                </p:cNvPr>
-                <p:cNvSpPr/>
-                <p:nvPr/>
-              </p:nvSpPr>
-              <p:spPr>
-                <a:xfrm>
-                  <a:off x="4395979" y="2551700"/>
-                  <a:ext cx="3279646" cy="585218"/>
-                </a:xfrm>
-                <a:prstGeom prst="roundRect">
-                  <a:avLst/>
-                </a:prstGeom>
+                <a:effectLst/>
+                <a:latin typeface="Arial" panose="020B0604020202020204" pitchFamily="34" charset="0"/>
+              </a:rPr>
+              <a:t>4W1H Framework</a:t>
+            </a:r>
+            <a:r>
+              <a:rPr lang="en-US" sz="1000" dirty="0"/>
+              <a:t> </a:t>
+            </a:r>
+            <a:r>
+              <a:rPr lang="en-US" sz="1000" b="0" i="0" u="none" strike="noStrike" dirty="0">
                 <a:solidFill>
-                  <a:schemeClr val="accent1">
-                    <a:lumMod val="40000"/>
-                    <a:lumOff val="60000"/>
-                  </a:schemeClr>
+                  <a:srgbClr val="595959"/>
                 </a:solidFill>
-                <a:ln>
-                  <a:noFill/>
-                </a:ln>
-              </p:spPr>
-              <p:style>
-                <a:lnRef idx="0">
-                  <a:scrgbClr r="0" g="0" b="0"/>
-                </a:lnRef>
-                <a:fillRef idx="0">
-                  <a:scrgbClr r="0" g="0" b="0"/>
-                </a:fillRef>
-                <a:effectRef idx="0">
-                  <a:scrgbClr r="0" g="0" b="0"/>
-                </a:effectRef>
-                <a:fontRef idx="minor">
-                  <a:schemeClr val="lt1"/>
-                </a:fontRef>
-              </p:style>
-              <p:txBody>
-                <a:bodyPr rtlCol="0" anchor="ctr"/>
-                <a:lstStyle/>
-                <a:p>
-                  <a:pPr algn="ctr"/>
-                  <a:r>
-                    <a:rPr lang="en-US" dirty="0"/>
-                    <a:t>Video Summarization Model (VSM)</a:t>
-                  </a:r>
-                </a:p>
-              </p:txBody>
-            </p:sp>
-            <p:cxnSp>
-              <p:nvCxnSpPr>
-                <p:cNvPr id="14" name="Connector: Elbow 13">
-                  <a:extLst>
-                    <a:ext uri="{FF2B5EF4-FFF2-40B4-BE49-F238E27FC236}">
-                      <a16:creationId xmlns:a16="http://schemas.microsoft.com/office/drawing/2014/main" id="{DD8FC1A4-5A68-1C1C-D790-BFBABF860FF8}"/>
-                    </a:ext>
-                  </a:extLst>
-                </p:cNvPr>
-                <p:cNvCxnSpPr>
-                  <a:cxnSpLocks/>
-                  <a:stCxn id="6" idx="3"/>
-                </p:cNvCxnSpPr>
-                <p:nvPr/>
-              </p:nvCxnSpPr>
-              <p:spPr>
-                <a:xfrm>
-                  <a:off x="6630162" y="313389"/>
-                  <a:ext cx="1281399" cy="3650375"/>
-                </a:xfrm>
-                <a:prstGeom prst="bentConnector2">
-                  <a:avLst/>
-                </a:prstGeom>
-                <a:ln>
-                  <a:tailEnd type="triangle"/>
-                </a:ln>
-              </p:spPr>
-              <p:style>
-                <a:lnRef idx="2">
-                  <a:schemeClr val="accent1"/>
-                </a:lnRef>
-                <a:fillRef idx="0">
-                  <a:schemeClr val="accent1"/>
-                </a:fillRef>
-                <a:effectRef idx="1">
-                  <a:schemeClr val="accent1"/>
-                </a:effectRef>
-                <a:fontRef idx="minor">
-                  <a:schemeClr val="tx1"/>
-                </a:fontRef>
-              </p:style>
-            </p:cxnSp>
-            <p:cxnSp>
-              <p:nvCxnSpPr>
-                <p:cNvPr id="16" name="Straight Arrow Connector 15">
-                  <a:extLst>
-                    <a:ext uri="{FF2B5EF4-FFF2-40B4-BE49-F238E27FC236}">
-                      <a16:creationId xmlns:a16="http://schemas.microsoft.com/office/drawing/2014/main" id="{823C33DF-A1CF-0568-31B1-DF8B3876C8D1}"/>
-                    </a:ext>
-                  </a:extLst>
-                </p:cNvPr>
-                <p:cNvCxnSpPr>
-                  <a:cxnSpLocks/>
-                  <a:stCxn id="12" idx="2"/>
-                </p:cNvCxnSpPr>
-                <p:nvPr/>
-              </p:nvCxnSpPr>
-              <p:spPr>
-                <a:xfrm>
-                  <a:off x="6035802" y="3136918"/>
-                  <a:ext cx="0" cy="826846"/>
-                </a:xfrm>
-                <a:prstGeom prst="straightConnector1">
-                  <a:avLst/>
-                </a:prstGeom>
-                <a:ln>
-                  <a:tailEnd type="triangle"/>
-                </a:ln>
-              </p:spPr>
-              <p:style>
-                <a:lnRef idx="2">
-                  <a:schemeClr val="accent1"/>
-                </a:lnRef>
-                <a:fillRef idx="0">
-                  <a:schemeClr val="accent1"/>
-                </a:fillRef>
-                <a:effectRef idx="1">
-                  <a:schemeClr val="accent1"/>
-                </a:effectRef>
-                <a:fontRef idx="minor">
-                  <a:schemeClr val="tx1"/>
-                </a:fontRef>
-              </p:style>
-            </p:cxnSp>
-            <p:sp>
-              <p:nvSpPr>
-                <p:cNvPr id="20" name="Rectangle: Rounded Corners 19">
-                  <a:extLst>
-                    <a:ext uri="{FF2B5EF4-FFF2-40B4-BE49-F238E27FC236}">
-                      <a16:creationId xmlns:a16="http://schemas.microsoft.com/office/drawing/2014/main" id="{8EA3C2FB-58A2-A94E-6B5A-5F9A5B1C6F24}"/>
-                    </a:ext>
-                  </a:extLst>
-                </p:cNvPr>
-                <p:cNvSpPr/>
-                <p:nvPr/>
-              </p:nvSpPr>
-              <p:spPr>
-                <a:xfrm>
-                  <a:off x="4782311" y="3963764"/>
-                  <a:ext cx="3977639" cy="350818"/>
-                </a:xfrm>
-                <a:prstGeom prst="roundRect">
-                  <a:avLst/>
-                </a:prstGeom>
+                <a:effectLst/>
+                <a:latin typeface="Arial" panose="020B0604020202020204" pitchFamily="34" charset="0"/>
+              </a:rPr>
+              <a:t>(Who, Where, When, What, How)</a:t>
+            </a:r>
+            <a:endParaRPr lang="en-US" sz="1000" b="0" dirty="0">
+              <a:effectLst/>
+            </a:endParaRPr>
+          </a:p>
+        </p:txBody>
+      </p:sp>
+      <p:sp>
+        <p:nvSpPr>
+          <p:cNvPr id="9" name="Rectangle: Rounded Corners 8">
+            <a:extLst>
+              <a:ext uri="{FF2B5EF4-FFF2-40B4-BE49-F238E27FC236}">
+                <a16:creationId xmlns:a16="http://schemas.microsoft.com/office/drawing/2014/main" id="{B705CBED-049A-689D-03AC-51688D251915}"/>
+              </a:ext>
+            </a:extLst>
+          </p:cNvPr>
+          <p:cNvSpPr/>
+          <p:nvPr/>
+        </p:nvSpPr>
+        <p:spPr>
+          <a:xfrm>
+            <a:off x="1729015" y="3341375"/>
+            <a:ext cx="2868166" cy="350818"/>
+          </a:xfrm>
+          <a:prstGeom prst="roundRect">
+            <a:avLst/>
+          </a:prstGeom>
+          <a:solidFill>
+            <a:schemeClr val="tx1"/>
+          </a:solidFill>
+          <a:ln>
+            <a:noFill/>
+          </a:ln>
+        </p:spPr>
+        <p:style>
+          <a:lnRef idx="0">
+            <a:scrgbClr r="0" g="0" b="0"/>
+          </a:lnRef>
+          <a:fillRef idx="0">
+            <a:scrgbClr r="0" g="0" b="0"/>
+          </a:fillRef>
+          <a:effectRef idx="0">
+            <a:scrgbClr r="0" g="0" b="0"/>
+          </a:effectRef>
+          <a:fontRef idx="minor">
+            <a:schemeClr val="lt1"/>
+          </a:fontRef>
+        </p:style>
+        <p:txBody>
+          <a:bodyPr rtlCol="0" anchor="ctr"/>
+          <a:lstStyle/>
+          <a:p>
+            <a:pPr algn="ctr"/>
+            <a:r>
+              <a:rPr lang="en-US" sz="1400" dirty="0"/>
+              <a:t>Web Scrape on YouTube</a:t>
+            </a:r>
+          </a:p>
+        </p:txBody>
+      </p:sp>
+      <p:sp>
+        <p:nvSpPr>
+          <p:cNvPr id="11" name="TextBox 10">
+            <a:extLst>
+              <a:ext uri="{FF2B5EF4-FFF2-40B4-BE49-F238E27FC236}">
+                <a16:creationId xmlns:a16="http://schemas.microsoft.com/office/drawing/2014/main" id="{5D32431F-41F1-CE7A-17D7-06F752639FAE}"/>
+              </a:ext>
+            </a:extLst>
+          </p:cNvPr>
+          <p:cNvSpPr txBox="1"/>
+          <p:nvPr/>
+        </p:nvSpPr>
+        <p:spPr>
+          <a:xfrm>
+            <a:off x="2436151" y="4122985"/>
+            <a:ext cx="1453892" cy="246221"/>
+          </a:xfrm>
+          <a:prstGeom prst="rect">
+            <a:avLst/>
+          </a:prstGeom>
+          <a:noFill/>
+        </p:spPr>
+        <p:txBody>
+          <a:bodyPr wrap="square" rtlCol="0" anchor="ctr">
+            <a:spAutoFit/>
+          </a:bodyPr>
+          <a:lstStyle/>
+          <a:p>
+            <a:pPr algn="ctr" rtl="0">
+              <a:spcBef>
+                <a:spcPts val="0"/>
+              </a:spcBef>
+              <a:spcAft>
+                <a:spcPts val="0"/>
+              </a:spcAft>
+            </a:pPr>
+            <a:r>
+              <a:rPr lang="en-US" sz="1000" dirty="0">
                 <a:solidFill>
-                  <a:schemeClr val="tx1"/>
+                  <a:srgbClr val="595959"/>
                 </a:solidFill>
-                <a:ln>
-                  <a:noFill/>
-                </a:ln>
-              </p:spPr>
-              <p:style>
-                <a:lnRef idx="0">
-                  <a:scrgbClr r="0" g="0" b="0"/>
-                </a:lnRef>
-                <a:fillRef idx="0">
-                  <a:scrgbClr r="0" g="0" b="0"/>
-                </a:fillRef>
-                <a:effectRef idx="0">
-                  <a:scrgbClr r="0" g="0" b="0"/>
-                </a:effectRef>
-                <a:fontRef idx="minor">
-                  <a:schemeClr val="lt1"/>
-                </a:fontRef>
-              </p:style>
-              <p:txBody>
-                <a:bodyPr rtlCol="0" anchor="ctr"/>
-                <a:lstStyle/>
-                <a:p>
-                  <a:pPr algn="ctr"/>
-                  <a:r>
-                    <a:rPr lang="en-US" dirty="0"/>
-                    <a:t>Find Similarity </a:t>
-                  </a:r>
-                </a:p>
-              </p:txBody>
-            </p:sp>
-            <p:sp>
-              <p:nvSpPr>
-                <p:cNvPr id="21" name="TextBox 20">
-                  <a:extLst>
-                    <a:ext uri="{FF2B5EF4-FFF2-40B4-BE49-F238E27FC236}">
-                      <a16:creationId xmlns:a16="http://schemas.microsoft.com/office/drawing/2014/main" id="{20735A22-E79A-9EFA-DDB8-37549727E0D3}"/>
-                    </a:ext>
-                  </a:extLst>
-                </p:cNvPr>
-                <p:cNvSpPr txBox="1"/>
-                <p:nvPr/>
-              </p:nvSpPr>
-              <p:spPr>
-                <a:xfrm>
-                  <a:off x="5142266" y="3416200"/>
-                  <a:ext cx="831340" cy="246221"/>
-                </a:xfrm>
-                <a:prstGeom prst="rect">
-                  <a:avLst/>
-                </a:prstGeom>
-                <a:noFill/>
-              </p:spPr>
-              <p:txBody>
-                <a:bodyPr wrap="square" rtlCol="0" anchor="ctr">
-                  <a:spAutoFit/>
-                </a:bodyPr>
-                <a:lstStyle/>
-                <a:p>
-                  <a:pPr algn="ctr" rtl="0">
-                    <a:spcBef>
-                      <a:spcPts val="0"/>
-                    </a:spcBef>
-                    <a:spcAft>
-                      <a:spcPts val="0"/>
-                    </a:spcAft>
-                  </a:pPr>
-                  <a:r>
-                    <a:rPr lang="en-US" sz="1000" dirty="0">
-                      <a:solidFill>
-                        <a:srgbClr val="595959"/>
-                      </a:solidFill>
-                      <a:latin typeface="Arial" panose="020B0604020202020204" pitchFamily="34" charset="0"/>
-                    </a:rPr>
-                    <a:t>Summary</a:t>
-                  </a:r>
-                  <a:endParaRPr lang="en-US" sz="1000" b="0" dirty="0">
-                    <a:effectLst/>
-                  </a:endParaRPr>
-                </a:p>
-              </p:txBody>
-            </p:sp>
-            <p:sp>
-              <p:nvSpPr>
-                <p:cNvPr id="22" name="TextBox 21">
-                  <a:extLst>
-                    <a:ext uri="{FF2B5EF4-FFF2-40B4-BE49-F238E27FC236}">
-                      <a16:creationId xmlns:a16="http://schemas.microsoft.com/office/drawing/2014/main" id="{EC831696-3C4E-2D7E-1D06-D5335D0CA07D}"/>
-                    </a:ext>
-                  </a:extLst>
-                </p:cNvPr>
-                <p:cNvSpPr txBox="1"/>
-                <p:nvPr/>
-              </p:nvSpPr>
-              <p:spPr>
-                <a:xfrm>
-                  <a:off x="5568695" y="4615925"/>
-                  <a:ext cx="2404872" cy="307777"/>
-                </a:xfrm>
-                <a:prstGeom prst="rect">
-                  <a:avLst/>
-                </a:prstGeom>
-                <a:noFill/>
-              </p:spPr>
-              <p:txBody>
-                <a:bodyPr wrap="square" rtlCol="0" anchor="ctr">
-                  <a:spAutoFit/>
-                </a:bodyPr>
-                <a:lstStyle/>
-                <a:p>
-                  <a:pPr algn="ctr" rtl="0">
-                    <a:spcBef>
-                      <a:spcPts val="0"/>
-                    </a:spcBef>
-                    <a:spcAft>
-                      <a:spcPts val="0"/>
-                    </a:spcAft>
-                  </a:pPr>
-                  <a:r>
-                    <a:rPr lang="en-US" sz="1400" dirty="0">
-                      <a:solidFill>
-                        <a:srgbClr val="595959"/>
-                      </a:solidFill>
-                      <a:latin typeface="Arial" panose="020B0604020202020204" pitchFamily="34" charset="0"/>
-                    </a:rPr>
-                    <a:t>Candidates</a:t>
-                  </a:r>
-                  <a:endParaRPr lang="en-US" sz="1400" b="0" dirty="0">
-                    <a:effectLst/>
-                  </a:endParaRPr>
-                </a:p>
-              </p:txBody>
-            </p:sp>
-            <p:cxnSp>
-              <p:nvCxnSpPr>
-                <p:cNvPr id="24" name="Straight Arrow Connector 23">
-                  <a:extLst>
-                    <a:ext uri="{FF2B5EF4-FFF2-40B4-BE49-F238E27FC236}">
-                      <a16:creationId xmlns:a16="http://schemas.microsoft.com/office/drawing/2014/main" id="{F9252C2D-C38C-B965-D3BA-D9447CBFDB54}"/>
-                    </a:ext>
-                  </a:extLst>
-                </p:cNvPr>
-                <p:cNvCxnSpPr>
-                  <a:cxnSpLocks/>
-                  <a:stCxn id="7" idx="2"/>
-                  <a:endCxn id="9" idx="0"/>
-                </p:cNvCxnSpPr>
-                <p:nvPr/>
-              </p:nvCxnSpPr>
-              <p:spPr>
-                <a:xfrm>
-                  <a:off x="6035802" y="1044498"/>
-                  <a:ext cx="0" cy="581236"/>
-                </a:xfrm>
-                <a:prstGeom prst="straightConnector1">
-                  <a:avLst/>
-                </a:prstGeom>
-                <a:ln>
-                  <a:tailEnd type="triangle"/>
-                </a:ln>
-              </p:spPr>
-              <p:style>
-                <a:lnRef idx="2">
-                  <a:schemeClr val="accent1"/>
-                </a:lnRef>
-                <a:fillRef idx="0">
-                  <a:schemeClr val="accent1"/>
-                </a:fillRef>
-                <a:effectRef idx="1">
-                  <a:schemeClr val="accent1"/>
-                </a:effectRef>
-                <a:fontRef idx="minor">
-                  <a:schemeClr val="tx1"/>
-                </a:fontRef>
-              </p:style>
-            </p:cxnSp>
-            <p:cxnSp>
-              <p:nvCxnSpPr>
-                <p:cNvPr id="25" name="Straight Arrow Connector 24">
-                  <a:extLst>
-                    <a:ext uri="{FF2B5EF4-FFF2-40B4-BE49-F238E27FC236}">
-                      <a16:creationId xmlns:a16="http://schemas.microsoft.com/office/drawing/2014/main" id="{EC9B1EC8-4008-8380-2011-6E2F91BA9FA9}"/>
-                    </a:ext>
-                  </a:extLst>
-                </p:cNvPr>
-                <p:cNvCxnSpPr>
-                  <a:cxnSpLocks/>
-                  <a:stCxn id="9" idx="2"/>
-                  <a:endCxn id="12" idx="0"/>
-                </p:cNvCxnSpPr>
-                <p:nvPr/>
-              </p:nvCxnSpPr>
-              <p:spPr>
-                <a:xfrm>
-                  <a:off x="6035802" y="1976552"/>
-                  <a:ext cx="0" cy="575148"/>
-                </a:xfrm>
-                <a:prstGeom prst="straightConnector1">
-                  <a:avLst/>
-                </a:prstGeom>
-                <a:ln>
-                  <a:tailEnd type="triangle"/>
-                </a:ln>
-              </p:spPr>
-              <p:style>
-                <a:lnRef idx="2">
-                  <a:schemeClr val="accent1"/>
-                </a:lnRef>
-                <a:fillRef idx="0">
-                  <a:schemeClr val="accent1"/>
-                </a:fillRef>
-                <a:effectRef idx="1">
-                  <a:schemeClr val="accent1"/>
-                </a:effectRef>
-                <a:fontRef idx="minor">
-                  <a:schemeClr val="tx1"/>
-                </a:fontRef>
-              </p:style>
-            </p:cxnSp>
-            <p:cxnSp>
-              <p:nvCxnSpPr>
-                <p:cNvPr id="29" name="Straight Arrow Connector 28">
-                  <a:extLst>
-                    <a:ext uri="{FF2B5EF4-FFF2-40B4-BE49-F238E27FC236}">
-                      <a16:creationId xmlns:a16="http://schemas.microsoft.com/office/drawing/2014/main" id="{EEFC512F-6322-C8B1-DF81-51F811E65AD7}"/>
-                    </a:ext>
-                  </a:extLst>
-                </p:cNvPr>
-                <p:cNvCxnSpPr>
-                  <a:cxnSpLocks/>
-                  <a:stCxn id="20" idx="2"/>
-                  <a:endCxn id="22" idx="0"/>
-                </p:cNvCxnSpPr>
-                <p:nvPr/>
-              </p:nvCxnSpPr>
-              <p:spPr>
-                <a:xfrm>
-                  <a:off x="6771131" y="4314582"/>
-                  <a:ext cx="0" cy="301343"/>
-                </a:xfrm>
-                <a:prstGeom prst="straightConnector1">
-                  <a:avLst/>
-                </a:prstGeom>
-                <a:ln>
-                  <a:tailEnd type="triangle"/>
-                </a:ln>
-              </p:spPr>
-              <p:style>
-                <a:lnRef idx="2">
-                  <a:schemeClr val="accent1"/>
-                </a:lnRef>
-                <a:fillRef idx="0">
-                  <a:schemeClr val="accent1"/>
-                </a:fillRef>
-                <a:effectRef idx="1">
-                  <a:schemeClr val="accent1"/>
-                </a:effectRef>
-                <a:fontRef idx="minor">
-                  <a:schemeClr val="tx1"/>
-                </a:fontRef>
-              </p:style>
-            </p:cxnSp>
-            <p:cxnSp>
-              <p:nvCxnSpPr>
-                <p:cNvPr id="45" name="Straight Arrow Connector 44">
-                  <a:extLst>
-                    <a:ext uri="{FF2B5EF4-FFF2-40B4-BE49-F238E27FC236}">
-                      <a16:creationId xmlns:a16="http://schemas.microsoft.com/office/drawing/2014/main" id="{F64397D5-B07E-CCAD-9F35-23085DE9B062}"/>
-                    </a:ext>
-                  </a:extLst>
-                </p:cNvPr>
-                <p:cNvCxnSpPr>
-                  <a:stCxn id="6" idx="2"/>
-                  <a:endCxn id="7" idx="0"/>
-                </p:cNvCxnSpPr>
-                <p:nvPr/>
-              </p:nvCxnSpPr>
-              <p:spPr>
-                <a:xfrm>
-                  <a:off x="6035802" y="467277"/>
-                  <a:ext cx="0" cy="191669"/>
-                </a:xfrm>
-                <a:prstGeom prst="straightConnector1">
-                  <a:avLst/>
-                </a:prstGeom>
-                <a:ln>
-                  <a:tailEnd type="triangle"/>
-                </a:ln>
-              </p:spPr>
-              <p:style>
-                <a:lnRef idx="2">
-                  <a:schemeClr val="accent1"/>
-                </a:lnRef>
-                <a:fillRef idx="0">
-                  <a:schemeClr val="accent1"/>
-                </a:fillRef>
-                <a:effectRef idx="1">
-                  <a:schemeClr val="accent1"/>
-                </a:effectRef>
-                <a:fontRef idx="minor">
-                  <a:schemeClr val="tx1"/>
-                </a:fontRef>
-              </p:style>
-            </p:cxnSp>
-          </p:grpSp>
-          <p:sp>
-            <p:nvSpPr>
-              <p:cNvPr id="48" name="TextBox 47">
-                <a:extLst>
-                  <a:ext uri="{FF2B5EF4-FFF2-40B4-BE49-F238E27FC236}">
-                    <a16:creationId xmlns:a16="http://schemas.microsoft.com/office/drawing/2014/main" id="{8421D9E4-9B68-437D-ACC9-9F6A12691BCA}"/>
-                  </a:ext>
-                </a:extLst>
-              </p:cNvPr>
-              <p:cNvSpPr txBox="1"/>
-              <p:nvPr/>
-            </p:nvSpPr>
-            <p:spPr>
-              <a:xfrm>
-                <a:off x="7852996" y="1270654"/>
-                <a:ext cx="1032316" cy="523220"/>
-              </a:xfrm>
-              <a:prstGeom prst="rect">
-                <a:avLst/>
-              </a:prstGeom>
-              <a:noFill/>
-            </p:spPr>
-            <p:txBody>
-              <a:bodyPr wrap="square" rtlCol="0">
-                <a:spAutoFit/>
-              </a:bodyPr>
-              <a:lstStyle/>
-              <a:p>
-                <a:pPr algn="ctr"/>
-                <a:r>
-                  <a:rPr lang="en-US" sz="1400" dirty="0"/>
-                  <a:t>For each candidate</a:t>
-                </a:r>
-              </a:p>
-            </p:txBody>
-          </p:sp>
-          <p:sp>
-            <p:nvSpPr>
-              <p:cNvPr id="49" name="Rectangle 48">
-                <a:extLst>
-                  <a:ext uri="{FF2B5EF4-FFF2-40B4-BE49-F238E27FC236}">
-                    <a16:creationId xmlns:a16="http://schemas.microsoft.com/office/drawing/2014/main" id="{51588F55-93CE-E322-B20C-B26B8FA8620B}"/>
-                  </a:ext>
-                </a:extLst>
-              </p:cNvPr>
-              <p:cNvSpPr/>
-              <p:nvPr/>
-            </p:nvSpPr>
-            <p:spPr>
-              <a:xfrm>
-                <a:off x="8894444" y="1055921"/>
-                <a:ext cx="1154811" cy="551248"/>
-              </a:xfrm>
-              <a:prstGeom prst="rect">
-                <a:avLst/>
-              </a:prstGeom>
-              <a:solidFill>
-                <a:schemeClr val="accent2"/>
-              </a:solidFill>
-            </p:spPr>
-            <p:style>
-              <a:lnRef idx="2">
-                <a:schemeClr val="accent1">
-                  <a:shade val="15000"/>
-                </a:schemeClr>
-              </a:lnRef>
-              <a:fillRef idx="1">
-                <a:schemeClr val="accent1"/>
-              </a:fillRef>
-              <a:effectRef idx="0">
-                <a:schemeClr val="accent1"/>
-              </a:effectRef>
-              <a:fontRef idx="minor">
-                <a:schemeClr val="lt1"/>
-              </a:fontRef>
-            </p:style>
-            <p:txBody>
-              <a:bodyPr rtlCol="0" anchor="ctr"/>
-              <a:lstStyle/>
-              <a:p>
-                <a:pPr algn="ctr"/>
-                <a:r>
-                  <a:rPr lang="en-US" dirty="0"/>
-                  <a:t>Video</a:t>
-                </a:r>
-              </a:p>
-            </p:txBody>
-          </p:sp>
-          <p:sp>
-            <p:nvSpPr>
-              <p:cNvPr id="50" name="Rectangle 49">
-                <a:extLst>
-                  <a:ext uri="{FF2B5EF4-FFF2-40B4-BE49-F238E27FC236}">
-                    <a16:creationId xmlns:a16="http://schemas.microsoft.com/office/drawing/2014/main" id="{8EBBE6C6-73CE-7374-181E-C4CEF4DFDD0D}"/>
-                  </a:ext>
-                </a:extLst>
-              </p:cNvPr>
-              <p:cNvSpPr/>
-              <p:nvPr/>
-            </p:nvSpPr>
-            <p:spPr>
-              <a:xfrm>
-                <a:off x="8894445" y="1673565"/>
-                <a:ext cx="1154811" cy="307777"/>
-              </a:xfrm>
-              <a:prstGeom prst="rect">
-                <a:avLst/>
-              </a:prstGeom>
-              <a:solidFill>
-                <a:schemeClr val="accent2"/>
-              </a:solidFill>
-            </p:spPr>
-            <p:style>
-              <a:lnRef idx="2">
-                <a:schemeClr val="accent1">
-                  <a:shade val="15000"/>
-                </a:schemeClr>
-              </a:lnRef>
-              <a:fillRef idx="1">
-                <a:schemeClr val="accent1"/>
-              </a:fillRef>
-              <a:effectRef idx="0">
-                <a:schemeClr val="accent1"/>
-              </a:effectRef>
-              <a:fontRef idx="minor">
-                <a:schemeClr val="lt1"/>
-              </a:fontRef>
-            </p:style>
-            <p:txBody>
-              <a:bodyPr rtlCol="0" anchor="ctr"/>
-              <a:lstStyle/>
-              <a:p>
-                <a:pPr algn="ctr"/>
-                <a:r>
-                  <a:rPr lang="en-US" dirty="0"/>
-                  <a:t>Audio</a:t>
-                </a:r>
-              </a:p>
-            </p:txBody>
-          </p:sp>
-          <p:sp>
-            <p:nvSpPr>
-              <p:cNvPr id="53" name="Rectangle: Rounded Corners 52">
-                <a:extLst>
-                  <a:ext uri="{FF2B5EF4-FFF2-40B4-BE49-F238E27FC236}">
-                    <a16:creationId xmlns:a16="http://schemas.microsoft.com/office/drawing/2014/main" id="{9309495F-816D-A0CC-F9BA-11FD1145DF45}"/>
-                  </a:ext>
-                </a:extLst>
-              </p:cNvPr>
-              <p:cNvSpPr/>
-              <p:nvPr/>
-            </p:nvSpPr>
-            <p:spPr>
-              <a:xfrm>
-                <a:off x="9012172" y="2191664"/>
-                <a:ext cx="919353" cy="385552"/>
-              </a:xfrm>
-              <a:prstGeom prst="roundRect">
-                <a:avLst/>
-              </a:prstGeom>
-              <a:solidFill>
-                <a:schemeClr val="accent1">
-                  <a:lumMod val="40000"/>
-                  <a:lumOff val="60000"/>
-                </a:schemeClr>
-              </a:solidFill>
-              <a:ln>
-                <a:noFill/>
-              </a:ln>
-            </p:spPr>
-            <p:style>
-              <a:lnRef idx="0">
-                <a:scrgbClr r="0" g="0" b="0"/>
-              </a:lnRef>
-              <a:fillRef idx="0">
-                <a:scrgbClr r="0" g="0" b="0"/>
-              </a:fillRef>
-              <a:effectRef idx="0">
-                <a:scrgbClr r="0" g="0" b="0"/>
-              </a:effectRef>
-              <a:fontRef idx="minor">
-                <a:schemeClr val="lt1"/>
-              </a:fontRef>
-            </p:style>
-            <p:txBody>
-              <a:bodyPr rtlCol="0" anchor="ctr"/>
-              <a:lstStyle/>
-              <a:p>
-                <a:pPr algn="ctr"/>
-                <a:r>
-                  <a:rPr lang="en-US" dirty="0"/>
-                  <a:t>ASR</a:t>
-                </a:r>
-              </a:p>
-            </p:txBody>
-          </p:sp>
-          <p:sp>
-            <p:nvSpPr>
-              <p:cNvPr id="55" name="Rectangle: Rounded Corners 54">
-                <a:extLst>
-                  <a:ext uri="{FF2B5EF4-FFF2-40B4-BE49-F238E27FC236}">
-                    <a16:creationId xmlns:a16="http://schemas.microsoft.com/office/drawing/2014/main" id="{348F73AB-2972-7D91-E918-27D2BE288B45}"/>
-                  </a:ext>
-                </a:extLst>
-              </p:cNvPr>
-              <p:cNvSpPr/>
-              <p:nvPr/>
-            </p:nvSpPr>
-            <p:spPr>
-              <a:xfrm>
-                <a:off x="8676321" y="2833100"/>
-                <a:ext cx="1591056" cy="385552"/>
-              </a:xfrm>
-              <a:prstGeom prst="roundRect">
-                <a:avLst/>
-              </a:prstGeom>
-              <a:solidFill>
-                <a:schemeClr val="accent6"/>
-              </a:solidFill>
-              <a:ln>
-                <a:noFill/>
-              </a:ln>
-            </p:spPr>
-            <p:style>
-              <a:lnRef idx="0">
-                <a:scrgbClr r="0" g="0" b="0"/>
-              </a:lnRef>
-              <a:fillRef idx="0">
-                <a:scrgbClr r="0" g="0" b="0"/>
-              </a:fillRef>
-              <a:effectRef idx="0">
-                <a:scrgbClr r="0" g="0" b="0"/>
-              </a:effectRef>
-              <a:fontRef idx="minor">
-                <a:schemeClr val="lt1"/>
-              </a:fontRef>
-            </p:style>
-            <p:txBody>
-              <a:bodyPr rtlCol="0" anchor="ctr"/>
-              <a:lstStyle/>
-              <a:p>
-                <a:pPr algn="ctr"/>
-                <a:r>
-                  <a:rPr lang="en-US" dirty="0"/>
-                  <a:t>LLM</a:t>
-                </a:r>
-              </a:p>
-            </p:txBody>
-          </p:sp>
-          <p:cxnSp>
-            <p:nvCxnSpPr>
-              <p:cNvPr id="57" name="Straight Arrow Connector 56">
-                <a:extLst>
-                  <a:ext uri="{FF2B5EF4-FFF2-40B4-BE49-F238E27FC236}">
-                    <a16:creationId xmlns:a16="http://schemas.microsoft.com/office/drawing/2014/main" id="{D558D8EA-01F4-962D-ED5F-88DEF2B094C1}"/>
-                  </a:ext>
-                </a:extLst>
-              </p:cNvPr>
-              <p:cNvCxnSpPr>
-                <a:cxnSpLocks/>
-                <a:stCxn id="53" idx="2"/>
-                <a:endCxn id="55" idx="0"/>
-              </p:cNvCxnSpPr>
-              <p:nvPr/>
-            </p:nvCxnSpPr>
-            <p:spPr>
-              <a:xfrm>
-                <a:off x="9471849" y="2577216"/>
-                <a:ext cx="0" cy="255884"/>
-              </a:xfrm>
-              <a:prstGeom prst="straightConnector1">
-                <a:avLst/>
-              </a:prstGeom>
-              <a:ln>
-                <a:tailEnd type="triangle"/>
-              </a:ln>
-            </p:spPr>
-            <p:style>
-              <a:lnRef idx="2">
-                <a:schemeClr val="accent1"/>
-              </a:lnRef>
-              <a:fillRef idx="0">
-                <a:schemeClr val="accent1"/>
-              </a:fillRef>
-              <a:effectRef idx="1">
-                <a:schemeClr val="accent1"/>
-              </a:effectRef>
-              <a:fontRef idx="minor">
-                <a:schemeClr val="tx1"/>
-              </a:fontRef>
-            </p:style>
-          </p:cxnSp>
-          <p:cxnSp>
-            <p:nvCxnSpPr>
-              <p:cNvPr id="67" name="Straight Arrow Connector 66">
-                <a:extLst>
-                  <a:ext uri="{FF2B5EF4-FFF2-40B4-BE49-F238E27FC236}">
-                    <a16:creationId xmlns:a16="http://schemas.microsoft.com/office/drawing/2014/main" id="{9086EAA3-6287-C738-F315-09A2B3ED48F5}"/>
-                  </a:ext>
-                </a:extLst>
-              </p:cNvPr>
-              <p:cNvCxnSpPr>
-                <a:stCxn id="50" idx="2"/>
-                <a:endCxn id="53" idx="0"/>
-              </p:cNvCxnSpPr>
-              <p:nvPr/>
-            </p:nvCxnSpPr>
-            <p:spPr>
-              <a:xfrm flipH="1">
-                <a:off x="9471849" y="1981342"/>
-                <a:ext cx="2" cy="210322"/>
-              </a:xfrm>
-              <a:prstGeom prst="straightConnector1">
-                <a:avLst/>
-              </a:prstGeom>
-              <a:ln>
-                <a:tailEnd type="triangle"/>
-              </a:ln>
-            </p:spPr>
-            <p:style>
-              <a:lnRef idx="2">
-                <a:schemeClr val="accent1"/>
-              </a:lnRef>
-              <a:fillRef idx="0">
-                <a:schemeClr val="accent1"/>
-              </a:fillRef>
-              <a:effectRef idx="1">
-                <a:schemeClr val="accent1"/>
-              </a:effectRef>
-              <a:fontRef idx="minor">
-                <a:schemeClr val="tx1"/>
-              </a:fontRef>
-            </p:style>
-          </p:cxnSp>
-          <p:cxnSp>
-            <p:nvCxnSpPr>
-              <p:cNvPr id="76" name="Connector: Elbow 75">
-                <a:extLst>
-                  <a:ext uri="{FF2B5EF4-FFF2-40B4-BE49-F238E27FC236}">
-                    <a16:creationId xmlns:a16="http://schemas.microsoft.com/office/drawing/2014/main" id="{DBFBFF8A-3D46-719A-7398-F86302016E6D}"/>
-                  </a:ext>
-                </a:extLst>
-              </p:cNvPr>
-              <p:cNvCxnSpPr>
-                <a:cxnSpLocks/>
-                <a:endCxn id="55" idx="1"/>
-              </p:cNvCxnSpPr>
-              <p:nvPr/>
-            </p:nvCxnSpPr>
-            <p:spPr>
-              <a:xfrm>
-                <a:off x="5525073" y="2496825"/>
-                <a:ext cx="3151248" cy="529051"/>
-              </a:xfrm>
-              <a:prstGeom prst="bentConnector3">
-                <a:avLst>
-                  <a:gd name="adj1" fmla="val -176"/>
-                </a:avLst>
-              </a:prstGeom>
-              <a:ln w="19050" cap="flat" cmpd="sng" algn="ctr">
+                <a:latin typeface="Arial" panose="020B0604020202020204" pitchFamily="34" charset="0"/>
+              </a:rPr>
+              <a:t>Potential Candidates</a:t>
+            </a:r>
+            <a:endParaRPr lang="en-US" sz="1000" b="0" dirty="0">
+              <a:effectLst/>
+            </a:endParaRPr>
+          </a:p>
+        </p:txBody>
+      </p:sp>
+      <p:sp>
+        <p:nvSpPr>
+          <p:cNvPr id="22" name="TextBox 21">
+            <a:extLst>
+              <a:ext uri="{FF2B5EF4-FFF2-40B4-BE49-F238E27FC236}">
+                <a16:creationId xmlns:a16="http://schemas.microsoft.com/office/drawing/2014/main" id="{EC831696-3C4E-2D7E-1D06-D5335D0CA07D}"/>
+              </a:ext>
+            </a:extLst>
+          </p:cNvPr>
+          <p:cNvSpPr txBox="1"/>
+          <p:nvPr/>
+        </p:nvSpPr>
+        <p:spPr>
+          <a:xfrm>
+            <a:off x="1959929" y="5740085"/>
+            <a:ext cx="2404872" cy="307777"/>
+          </a:xfrm>
+          <a:prstGeom prst="rect">
+            <a:avLst/>
+          </a:prstGeom>
+          <a:noFill/>
+        </p:spPr>
+        <p:txBody>
+          <a:bodyPr wrap="square" rtlCol="0" anchor="ctr">
+            <a:spAutoFit/>
+          </a:bodyPr>
+          <a:lstStyle/>
+          <a:p>
+            <a:pPr algn="ctr" rtl="0">
+              <a:spcBef>
+                <a:spcPts val="0"/>
+              </a:spcBef>
+              <a:spcAft>
+                <a:spcPts val="0"/>
+              </a:spcAft>
+            </a:pPr>
+            <a:r>
+              <a:rPr lang="en-US" sz="1400" dirty="0">
                 <a:solidFill>
-                  <a:schemeClr val="accent5"/>
+                  <a:srgbClr val="595959"/>
                 </a:solidFill>
-                <a:prstDash val="dash"/>
-                <a:round/>
-                <a:headEnd type="none" w="med" len="med"/>
-                <a:tailEnd type="triangle" w="med" len="med"/>
-              </a:ln>
-            </p:spPr>
-            <p:style>
-              <a:lnRef idx="0">
-                <a:scrgbClr r="0" g="0" b="0"/>
-              </a:lnRef>
-              <a:fillRef idx="0">
-                <a:scrgbClr r="0" g="0" b="0"/>
-              </a:fillRef>
-              <a:effectRef idx="0">
-                <a:scrgbClr r="0" g="0" b="0"/>
-              </a:effectRef>
-              <a:fontRef idx="minor">
-                <a:schemeClr val="tx1"/>
-              </a:fontRef>
-            </p:style>
-          </p:cxnSp>
-          <p:cxnSp>
-            <p:nvCxnSpPr>
-              <p:cNvPr id="82" name="Straight Arrow Connector 81">
-                <a:extLst>
-                  <a:ext uri="{FF2B5EF4-FFF2-40B4-BE49-F238E27FC236}">
-                    <a16:creationId xmlns:a16="http://schemas.microsoft.com/office/drawing/2014/main" id="{99D61EF5-7469-2532-4BE7-88789D963C2D}"/>
-                  </a:ext>
-                </a:extLst>
-              </p:cNvPr>
-              <p:cNvCxnSpPr>
-                <a:cxnSpLocks/>
-                <a:stCxn id="55" idx="2"/>
-                <a:endCxn id="83" idx="0"/>
-              </p:cNvCxnSpPr>
-              <p:nvPr/>
-            </p:nvCxnSpPr>
-            <p:spPr>
-              <a:xfrm flipH="1">
-                <a:off x="9471848" y="3218652"/>
-                <a:ext cx="1" cy="312317"/>
-              </a:xfrm>
-              <a:prstGeom prst="straightConnector1">
-                <a:avLst/>
-              </a:prstGeom>
-              <a:ln>
-                <a:tailEnd type="triangle"/>
-              </a:ln>
-            </p:spPr>
-            <p:style>
-              <a:lnRef idx="2">
-                <a:schemeClr val="accent1"/>
-              </a:lnRef>
-              <a:fillRef idx="0">
-                <a:schemeClr val="accent1"/>
-              </a:fillRef>
-              <a:effectRef idx="1">
-                <a:schemeClr val="accent1"/>
-              </a:effectRef>
-              <a:fontRef idx="minor">
-                <a:schemeClr val="tx1"/>
-              </a:fontRef>
-            </p:style>
-          </p:cxnSp>
-          <p:sp>
-            <p:nvSpPr>
-              <p:cNvPr id="83" name="TextBox 82">
-                <a:extLst>
-                  <a:ext uri="{FF2B5EF4-FFF2-40B4-BE49-F238E27FC236}">
-                    <a16:creationId xmlns:a16="http://schemas.microsoft.com/office/drawing/2014/main" id="{A3814DFD-9C32-3E1E-BBEB-992BE1442234}"/>
-                  </a:ext>
-                </a:extLst>
-              </p:cNvPr>
-              <p:cNvSpPr txBox="1"/>
-              <p:nvPr/>
-            </p:nvSpPr>
-            <p:spPr>
-              <a:xfrm>
-                <a:off x="7347606" y="3530969"/>
-                <a:ext cx="4248484" cy="307777"/>
-              </a:xfrm>
-              <a:prstGeom prst="rect">
-                <a:avLst/>
-              </a:prstGeom>
-              <a:noFill/>
-            </p:spPr>
-            <p:txBody>
-              <a:bodyPr wrap="square" rtlCol="0">
-                <a:spAutoFit/>
-              </a:bodyPr>
-              <a:lstStyle/>
-              <a:p>
-                <a:pPr algn="ctr"/>
-                <a:r>
-                  <a:rPr lang="en-US" sz="1400" dirty="0"/>
-                  <a:t>Potential Match Content Sections (timestamps)</a:t>
-                </a:r>
-              </a:p>
-            </p:txBody>
-          </p:sp>
-          <p:sp>
-            <p:nvSpPr>
-              <p:cNvPr id="84" name="Rectangle: Rounded Corners 83">
-                <a:extLst>
-                  <a:ext uri="{FF2B5EF4-FFF2-40B4-BE49-F238E27FC236}">
-                    <a16:creationId xmlns:a16="http://schemas.microsoft.com/office/drawing/2014/main" id="{7FB436F6-CA3D-846F-4F76-A57B8331E0C7}"/>
-                  </a:ext>
-                </a:extLst>
-              </p:cNvPr>
-              <p:cNvSpPr/>
-              <p:nvPr/>
-            </p:nvSpPr>
-            <p:spPr>
-              <a:xfrm>
-                <a:off x="7995473" y="4191513"/>
-                <a:ext cx="2952750" cy="675848"/>
-              </a:xfrm>
-              <a:prstGeom prst="roundRect">
-                <a:avLst/>
-              </a:prstGeom>
-              <a:solidFill>
-                <a:schemeClr val="accent1">
-                  <a:lumMod val="40000"/>
-                  <a:lumOff val="60000"/>
-                </a:schemeClr>
-              </a:solidFill>
-              <a:ln>
-                <a:noFill/>
-              </a:ln>
-            </p:spPr>
-            <p:style>
-              <a:lnRef idx="0">
-                <a:scrgbClr r="0" g="0" b="0"/>
-              </a:lnRef>
-              <a:fillRef idx="0">
-                <a:scrgbClr r="0" g="0" b="0"/>
-              </a:fillRef>
-              <a:effectRef idx="0">
-                <a:scrgbClr r="0" g="0" b="0"/>
-              </a:effectRef>
-              <a:fontRef idx="minor">
-                <a:schemeClr val="lt1"/>
-              </a:fontRef>
-            </p:style>
-            <p:txBody>
-              <a:bodyPr rtlCol="0" anchor="ctr"/>
-              <a:lstStyle/>
-              <a:p>
-                <a:pPr algn="ctr"/>
-                <a:r>
-                  <a:rPr lang="en-US" dirty="0"/>
-                  <a:t>Object Detection + Identity Matching Models</a:t>
-                </a:r>
-              </a:p>
-            </p:txBody>
-          </p:sp>
-          <p:cxnSp>
-            <p:nvCxnSpPr>
-              <p:cNvPr id="86" name="Straight Arrow Connector 85">
-                <a:extLst>
-                  <a:ext uri="{FF2B5EF4-FFF2-40B4-BE49-F238E27FC236}">
-                    <a16:creationId xmlns:a16="http://schemas.microsoft.com/office/drawing/2014/main" id="{08F5EC74-7129-D578-3CDC-C20A66158CA7}"/>
-                  </a:ext>
-                </a:extLst>
-              </p:cNvPr>
-              <p:cNvCxnSpPr>
-                <a:cxnSpLocks/>
-                <a:stCxn id="83" idx="2"/>
-                <a:endCxn id="84" idx="0"/>
-              </p:cNvCxnSpPr>
-              <p:nvPr/>
-            </p:nvCxnSpPr>
-            <p:spPr>
-              <a:xfrm>
-                <a:off x="9471848" y="3838746"/>
-                <a:ext cx="0" cy="352767"/>
-              </a:xfrm>
-              <a:prstGeom prst="straightConnector1">
-                <a:avLst/>
-              </a:prstGeom>
-              <a:ln>
-                <a:tailEnd type="triangle"/>
-              </a:ln>
-            </p:spPr>
-            <p:style>
-              <a:lnRef idx="2">
-                <a:schemeClr val="accent1"/>
-              </a:lnRef>
-              <a:fillRef idx="0">
-                <a:schemeClr val="accent1"/>
-              </a:fillRef>
-              <a:effectRef idx="1">
-                <a:schemeClr val="accent1"/>
-              </a:effectRef>
-              <a:fontRef idx="minor">
-                <a:schemeClr val="tx1"/>
-              </a:fontRef>
-            </p:style>
-          </p:cxnSp>
-          <p:cxnSp>
-            <p:nvCxnSpPr>
-              <p:cNvPr id="97" name="Connector: Elbow 96">
-                <a:extLst>
-                  <a:ext uri="{FF2B5EF4-FFF2-40B4-BE49-F238E27FC236}">
-                    <a16:creationId xmlns:a16="http://schemas.microsoft.com/office/drawing/2014/main" id="{3F01EBC2-582C-100A-721A-E5EC8CA4921E}"/>
-                  </a:ext>
-                </a:extLst>
-              </p:cNvPr>
-              <p:cNvCxnSpPr>
-                <a:cxnSpLocks/>
-              </p:cNvCxnSpPr>
-              <p:nvPr/>
-            </p:nvCxnSpPr>
-            <p:spPr>
-              <a:xfrm>
-                <a:off x="5130356" y="2469972"/>
-                <a:ext cx="2832734" cy="2219266"/>
-              </a:xfrm>
-              <a:prstGeom prst="bentConnector3">
-                <a:avLst>
-                  <a:gd name="adj1" fmla="val 235"/>
-                </a:avLst>
-              </a:prstGeom>
-              <a:ln w="19050" cap="flat" cmpd="sng" algn="ctr">
-                <a:solidFill>
-                  <a:schemeClr val="accent5"/>
-                </a:solidFill>
-                <a:prstDash val="dash"/>
-                <a:round/>
-                <a:headEnd type="none" w="med" len="med"/>
-                <a:tailEnd type="triangle" w="med" len="med"/>
-              </a:ln>
-            </p:spPr>
-            <p:style>
-              <a:lnRef idx="0">
-                <a:scrgbClr r="0" g="0" b="0"/>
-              </a:lnRef>
-              <a:fillRef idx="0">
-                <a:scrgbClr r="0" g="0" b="0"/>
-              </a:fillRef>
-              <a:effectRef idx="0">
-                <a:scrgbClr r="0" g="0" b="0"/>
-              </a:effectRef>
-              <a:fontRef idx="minor">
-                <a:schemeClr val="tx1"/>
-              </a:fontRef>
-            </p:style>
-          </p:cxnSp>
-          <p:cxnSp>
-            <p:nvCxnSpPr>
-              <p:cNvPr id="100" name="Connector: Elbow 99">
-                <a:extLst>
-                  <a:ext uri="{FF2B5EF4-FFF2-40B4-BE49-F238E27FC236}">
-                    <a16:creationId xmlns:a16="http://schemas.microsoft.com/office/drawing/2014/main" id="{40486F69-652D-1156-EE14-872F9BA60B6A}"/>
-                  </a:ext>
-                </a:extLst>
-              </p:cNvPr>
-              <p:cNvCxnSpPr>
-                <a:cxnSpLocks/>
-                <a:endCxn id="84" idx="1"/>
-              </p:cNvCxnSpPr>
-              <p:nvPr/>
-            </p:nvCxnSpPr>
-            <p:spPr>
-              <a:xfrm>
-                <a:off x="4688680" y="2496825"/>
-                <a:ext cx="3306793" cy="2032612"/>
-              </a:xfrm>
-              <a:prstGeom prst="bentConnector3">
-                <a:avLst>
-                  <a:gd name="adj1" fmla="val 169"/>
-                </a:avLst>
-              </a:prstGeom>
-              <a:ln w="19050" cap="flat" cmpd="sng" algn="ctr">
-                <a:solidFill>
-                  <a:schemeClr val="accent5"/>
-                </a:solidFill>
-                <a:prstDash val="dash"/>
-                <a:round/>
-                <a:headEnd type="none" w="med" len="med"/>
-                <a:tailEnd type="triangle" w="med" len="med"/>
-              </a:ln>
-            </p:spPr>
-            <p:style>
-              <a:lnRef idx="0">
-                <a:scrgbClr r="0" g="0" b="0"/>
-              </a:lnRef>
-              <a:fillRef idx="0">
-                <a:scrgbClr r="0" g="0" b="0"/>
-              </a:fillRef>
-              <a:effectRef idx="0">
-                <a:scrgbClr r="0" g="0" b="0"/>
-              </a:effectRef>
-              <a:fontRef idx="minor">
-                <a:schemeClr val="tx1"/>
-              </a:fontRef>
-            </p:style>
-          </p:cxnSp>
-          <p:cxnSp>
-            <p:nvCxnSpPr>
-              <p:cNvPr id="104" name="Connector: Elbow 103">
-                <a:extLst>
-                  <a:ext uri="{FF2B5EF4-FFF2-40B4-BE49-F238E27FC236}">
-                    <a16:creationId xmlns:a16="http://schemas.microsoft.com/office/drawing/2014/main" id="{57AE98A5-A95B-8A62-01EA-9A9A762099D0}"/>
-                  </a:ext>
-                </a:extLst>
-              </p:cNvPr>
-              <p:cNvCxnSpPr>
-                <a:cxnSpLocks/>
-              </p:cNvCxnSpPr>
-              <p:nvPr/>
-            </p:nvCxnSpPr>
-            <p:spPr>
-              <a:xfrm>
-                <a:off x="4265677" y="2496825"/>
-                <a:ext cx="3697413" cy="1864351"/>
-              </a:xfrm>
-              <a:prstGeom prst="bentConnector3">
-                <a:avLst>
-                  <a:gd name="adj1" fmla="val 23"/>
-                </a:avLst>
-              </a:prstGeom>
-              <a:ln w="19050" cap="flat" cmpd="sng" algn="ctr">
-                <a:solidFill>
-                  <a:schemeClr val="accent5"/>
-                </a:solidFill>
-                <a:prstDash val="dash"/>
-                <a:round/>
-                <a:headEnd type="none" w="med" len="med"/>
-                <a:tailEnd type="triangle" w="med" len="med"/>
-              </a:ln>
-            </p:spPr>
-            <p:style>
-              <a:lnRef idx="0">
-                <a:scrgbClr r="0" g="0" b="0"/>
-              </a:lnRef>
-              <a:fillRef idx="0">
-                <a:scrgbClr r="0" g="0" b="0"/>
-              </a:fillRef>
-              <a:effectRef idx="0">
-                <a:scrgbClr r="0" g="0" b="0"/>
-              </a:effectRef>
-              <a:fontRef idx="minor">
-                <a:schemeClr val="tx1"/>
-              </a:fontRef>
-            </p:style>
-          </p:cxnSp>
-          <p:sp>
-            <p:nvSpPr>
-              <p:cNvPr id="117" name="TextBox 116">
-                <a:extLst>
-                  <a:ext uri="{FF2B5EF4-FFF2-40B4-BE49-F238E27FC236}">
-                    <a16:creationId xmlns:a16="http://schemas.microsoft.com/office/drawing/2014/main" id="{7D1D6EA1-3931-920E-D8CC-25E3C5C069E3}"/>
-                  </a:ext>
-                </a:extLst>
-              </p:cNvPr>
-              <p:cNvSpPr txBox="1"/>
-              <p:nvPr/>
-            </p:nvSpPr>
-            <p:spPr>
-              <a:xfrm>
-                <a:off x="7888509" y="5282149"/>
-                <a:ext cx="3166678" cy="307777"/>
-              </a:xfrm>
-              <a:prstGeom prst="rect">
-                <a:avLst/>
-              </a:prstGeom>
-              <a:noFill/>
-            </p:spPr>
-            <p:txBody>
-              <a:bodyPr wrap="square" rtlCol="0">
-                <a:spAutoFit/>
-              </a:bodyPr>
-              <a:lstStyle/>
-              <a:p>
-                <a:pPr algn="ctr"/>
-                <a:r>
-                  <a:rPr lang="en-US" sz="1400" dirty="0"/>
-                  <a:t>Match Content Sections (timestamps)</a:t>
-                </a:r>
-              </a:p>
-            </p:txBody>
-          </p:sp>
-          <p:cxnSp>
-            <p:nvCxnSpPr>
-              <p:cNvPr id="119" name="Straight Arrow Connector 118">
-                <a:extLst>
-                  <a:ext uri="{FF2B5EF4-FFF2-40B4-BE49-F238E27FC236}">
-                    <a16:creationId xmlns:a16="http://schemas.microsoft.com/office/drawing/2014/main" id="{232897E6-7310-CFC0-F00D-8FE5D86FF11D}"/>
-                  </a:ext>
-                </a:extLst>
-              </p:cNvPr>
-              <p:cNvCxnSpPr>
-                <a:stCxn id="84" idx="2"/>
-                <a:endCxn id="117" idx="0"/>
-              </p:cNvCxnSpPr>
-              <p:nvPr/>
-            </p:nvCxnSpPr>
-            <p:spPr>
-              <a:xfrm>
-                <a:off x="9471848" y="4867361"/>
-                <a:ext cx="0" cy="414788"/>
-              </a:xfrm>
-              <a:prstGeom prst="straightConnector1">
-                <a:avLst/>
-              </a:prstGeom>
-              <a:ln>
-                <a:tailEnd type="triangle"/>
-              </a:ln>
-            </p:spPr>
-            <p:style>
-              <a:lnRef idx="2">
-                <a:schemeClr val="accent1"/>
-              </a:lnRef>
-              <a:fillRef idx="0">
-                <a:schemeClr val="accent1"/>
-              </a:fillRef>
-              <a:effectRef idx="1">
-                <a:schemeClr val="accent1"/>
-              </a:effectRef>
-              <a:fontRef idx="minor">
-                <a:schemeClr val="tx1"/>
-              </a:fontRef>
-            </p:style>
-          </p:cxnSp>
-        </p:grpSp>
-        <p:sp>
-          <p:nvSpPr>
-            <p:cNvPr id="121" name="Rectangle 120">
-              <a:extLst>
-                <a:ext uri="{FF2B5EF4-FFF2-40B4-BE49-F238E27FC236}">
-                  <a16:creationId xmlns:a16="http://schemas.microsoft.com/office/drawing/2014/main" id="{C5627E01-E144-9AE4-1452-3785FDBD18E5}"/>
-                </a:ext>
-              </a:extLst>
-            </p:cNvPr>
-            <p:cNvSpPr/>
-            <p:nvPr/>
-          </p:nvSpPr>
-          <p:spPr>
-            <a:xfrm>
-              <a:off x="575308" y="475220"/>
-              <a:ext cx="5529676" cy="6029325"/>
-            </a:xfrm>
-            <a:prstGeom prst="rect">
-              <a:avLst/>
-            </a:prstGeom>
+                <a:latin typeface="Arial" panose="020B0604020202020204" pitchFamily="34" charset="0"/>
+              </a:rPr>
+              <a:t>Candidates</a:t>
+            </a:r>
+            <a:endParaRPr lang="en-US" sz="1400" b="0" dirty="0">
+              <a:effectLst/>
+            </a:endParaRPr>
+          </a:p>
+        </p:txBody>
+      </p:sp>
+      <p:cxnSp>
+        <p:nvCxnSpPr>
+          <p:cNvPr id="25" name="Straight Arrow Connector 24">
+            <a:extLst>
+              <a:ext uri="{FF2B5EF4-FFF2-40B4-BE49-F238E27FC236}">
+                <a16:creationId xmlns:a16="http://schemas.microsoft.com/office/drawing/2014/main" id="{EC9B1EC8-4008-8380-2011-6E2F91BA9FA9}"/>
+              </a:ext>
+            </a:extLst>
+          </p:cNvPr>
+          <p:cNvCxnSpPr>
+            <a:cxnSpLocks/>
+            <a:stCxn id="9" idx="2"/>
+            <a:endCxn id="11" idx="0"/>
+          </p:cNvCxnSpPr>
+          <p:nvPr/>
+        </p:nvCxnSpPr>
+        <p:spPr>
+          <a:xfrm flipH="1">
+            <a:off x="3163097" y="3692193"/>
+            <a:ext cx="1" cy="430792"/>
+          </a:xfrm>
+          <a:prstGeom prst="straightConnector1">
+            <a:avLst/>
+          </a:prstGeom>
+          <a:ln>
+            <a:tailEnd type="triangle"/>
+          </a:ln>
+        </p:spPr>
+        <p:style>
+          <a:lnRef idx="2">
+            <a:schemeClr val="accent1"/>
+          </a:lnRef>
+          <a:fillRef idx="0">
+            <a:schemeClr val="accent1"/>
+          </a:fillRef>
+          <a:effectRef idx="1">
+            <a:schemeClr val="accent1"/>
+          </a:effectRef>
+          <a:fontRef idx="minor">
+            <a:schemeClr val="tx1"/>
+          </a:fontRef>
+        </p:style>
+      </p:cxnSp>
+      <p:cxnSp>
+        <p:nvCxnSpPr>
+          <p:cNvPr id="29" name="Straight Arrow Connector 28">
+            <a:extLst>
+              <a:ext uri="{FF2B5EF4-FFF2-40B4-BE49-F238E27FC236}">
+                <a16:creationId xmlns:a16="http://schemas.microsoft.com/office/drawing/2014/main" id="{EEFC512F-6322-C8B1-DF81-51F811E65AD7}"/>
+              </a:ext>
+            </a:extLst>
+          </p:cNvPr>
+          <p:cNvCxnSpPr>
+            <a:cxnSpLocks/>
+            <a:endCxn id="22" idx="0"/>
+          </p:cNvCxnSpPr>
+          <p:nvPr/>
+        </p:nvCxnSpPr>
+        <p:spPr>
+          <a:xfrm flipH="1">
+            <a:off x="3162365" y="5260951"/>
+            <a:ext cx="732" cy="479134"/>
+          </a:xfrm>
+          <a:prstGeom prst="straightConnector1">
+            <a:avLst/>
+          </a:prstGeom>
+          <a:ln>
+            <a:tailEnd type="triangle"/>
+          </a:ln>
+        </p:spPr>
+        <p:style>
+          <a:lnRef idx="2">
+            <a:schemeClr val="accent1"/>
+          </a:lnRef>
+          <a:fillRef idx="0">
+            <a:schemeClr val="accent1"/>
+          </a:fillRef>
+          <a:effectRef idx="1">
+            <a:schemeClr val="accent1"/>
+          </a:effectRef>
+          <a:fontRef idx="minor">
+            <a:schemeClr val="tx1"/>
+          </a:fontRef>
+        </p:style>
+      </p:cxnSp>
+      <p:cxnSp>
+        <p:nvCxnSpPr>
+          <p:cNvPr id="45" name="Straight Arrow Connector 44">
+            <a:extLst>
+              <a:ext uri="{FF2B5EF4-FFF2-40B4-BE49-F238E27FC236}">
+                <a16:creationId xmlns:a16="http://schemas.microsoft.com/office/drawing/2014/main" id="{F64397D5-B07E-CCAD-9F35-23085DE9B062}"/>
+              </a:ext>
+            </a:extLst>
+          </p:cNvPr>
+          <p:cNvCxnSpPr>
+            <a:cxnSpLocks/>
+            <a:stCxn id="6" idx="2"/>
+            <a:endCxn id="7" idx="0"/>
+          </p:cNvCxnSpPr>
+          <p:nvPr/>
+        </p:nvCxnSpPr>
+        <p:spPr>
+          <a:xfrm>
+            <a:off x="3163098" y="1117915"/>
+            <a:ext cx="0" cy="277800"/>
+          </a:xfrm>
+          <a:prstGeom prst="straightConnector1">
+            <a:avLst/>
+          </a:prstGeom>
+          <a:ln>
+            <a:tailEnd type="triangle"/>
+          </a:ln>
+        </p:spPr>
+        <p:style>
+          <a:lnRef idx="2">
+            <a:schemeClr val="accent1"/>
+          </a:lnRef>
+          <a:fillRef idx="0">
+            <a:schemeClr val="accent1"/>
+          </a:fillRef>
+          <a:effectRef idx="1">
+            <a:schemeClr val="accent1"/>
+          </a:effectRef>
+          <a:fontRef idx="minor">
+            <a:schemeClr val="tx1"/>
+          </a:fontRef>
+        </p:style>
+      </p:cxnSp>
+      <p:sp>
+        <p:nvSpPr>
+          <p:cNvPr id="48" name="TextBox 47">
+            <a:extLst>
+              <a:ext uri="{FF2B5EF4-FFF2-40B4-BE49-F238E27FC236}">
+                <a16:creationId xmlns:a16="http://schemas.microsoft.com/office/drawing/2014/main" id="{8421D9E4-9B68-437D-ACC9-9F6A12691BCA}"/>
+              </a:ext>
+            </a:extLst>
+          </p:cNvPr>
+          <p:cNvSpPr txBox="1"/>
+          <p:nvPr/>
+        </p:nvSpPr>
+        <p:spPr>
+          <a:xfrm>
+            <a:off x="7544282" y="1358438"/>
+            <a:ext cx="1032316" cy="523220"/>
+          </a:xfrm>
+          <a:prstGeom prst="rect">
+            <a:avLst/>
+          </a:prstGeom>
+          <a:noFill/>
+        </p:spPr>
+        <p:txBody>
+          <a:bodyPr wrap="square" rtlCol="0">
+            <a:spAutoFit/>
+          </a:bodyPr>
+          <a:lstStyle/>
+          <a:p>
+            <a:pPr algn="ctr"/>
+            <a:r>
+              <a:rPr lang="en-US" sz="1400" dirty="0"/>
+              <a:t>For each candidate</a:t>
+            </a:r>
+          </a:p>
+        </p:txBody>
+      </p:sp>
+      <p:sp>
+        <p:nvSpPr>
+          <p:cNvPr id="49" name="Rectangle 48">
+            <a:extLst>
+              <a:ext uri="{FF2B5EF4-FFF2-40B4-BE49-F238E27FC236}">
+                <a16:creationId xmlns:a16="http://schemas.microsoft.com/office/drawing/2014/main" id="{51588F55-93CE-E322-B20C-B26B8FA8620B}"/>
+              </a:ext>
+            </a:extLst>
+          </p:cNvPr>
+          <p:cNvSpPr/>
+          <p:nvPr/>
+        </p:nvSpPr>
+        <p:spPr>
+          <a:xfrm>
+            <a:off x="8585730" y="1143705"/>
+            <a:ext cx="1154811" cy="551248"/>
+          </a:xfrm>
+          <a:prstGeom prst="rect">
+            <a:avLst/>
+          </a:prstGeom>
+          <a:solidFill>
+            <a:schemeClr val="accent2"/>
+          </a:solidFill>
+        </p:spPr>
+        <p:style>
+          <a:lnRef idx="2">
+            <a:schemeClr val="accent1">
+              <a:shade val="15000"/>
+            </a:schemeClr>
+          </a:lnRef>
+          <a:fillRef idx="1">
+            <a:schemeClr val="accent1"/>
+          </a:fillRef>
+          <a:effectRef idx="0">
+            <a:schemeClr val="accent1"/>
+          </a:effectRef>
+          <a:fontRef idx="minor">
+            <a:schemeClr val="lt1"/>
+          </a:fontRef>
+        </p:style>
+        <p:txBody>
+          <a:bodyPr rtlCol="0" anchor="ctr"/>
+          <a:lstStyle/>
+          <a:p>
+            <a:pPr algn="ctr"/>
+            <a:r>
+              <a:rPr lang="en-US" dirty="0"/>
+              <a:t>Video</a:t>
+            </a:r>
+          </a:p>
+        </p:txBody>
+      </p:sp>
+      <p:sp>
+        <p:nvSpPr>
+          <p:cNvPr id="50" name="Rectangle 49">
+            <a:extLst>
+              <a:ext uri="{FF2B5EF4-FFF2-40B4-BE49-F238E27FC236}">
+                <a16:creationId xmlns:a16="http://schemas.microsoft.com/office/drawing/2014/main" id="{8EBBE6C6-73CE-7374-181E-C4CEF4DFDD0D}"/>
+              </a:ext>
+            </a:extLst>
+          </p:cNvPr>
+          <p:cNvSpPr/>
+          <p:nvPr/>
+        </p:nvSpPr>
+        <p:spPr>
+          <a:xfrm>
+            <a:off x="8585731" y="1761349"/>
+            <a:ext cx="1154811" cy="307777"/>
+          </a:xfrm>
+          <a:prstGeom prst="rect">
+            <a:avLst/>
+          </a:prstGeom>
+          <a:solidFill>
+            <a:schemeClr val="accent2"/>
+          </a:solidFill>
+        </p:spPr>
+        <p:style>
+          <a:lnRef idx="2">
+            <a:schemeClr val="accent1">
+              <a:shade val="15000"/>
+            </a:schemeClr>
+          </a:lnRef>
+          <a:fillRef idx="1">
+            <a:schemeClr val="accent1"/>
+          </a:fillRef>
+          <a:effectRef idx="0">
+            <a:schemeClr val="accent1"/>
+          </a:effectRef>
+          <a:fontRef idx="minor">
+            <a:schemeClr val="lt1"/>
+          </a:fontRef>
+        </p:style>
+        <p:txBody>
+          <a:bodyPr rtlCol="0" anchor="ctr"/>
+          <a:lstStyle/>
+          <a:p>
+            <a:pPr algn="ctr"/>
+            <a:r>
+              <a:rPr lang="en-US" dirty="0"/>
+              <a:t>Audio</a:t>
+            </a:r>
+          </a:p>
+        </p:txBody>
+      </p:sp>
+      <p:sp>
+        <p:nvSpPr>
+          <p:cNvPr id="53" name="Rectangle: Rounded Corners 52">
+            <a:extLst>
+              <a:ext uri="{FF2B5EF4-FFF2-40B4-BE49-F238E27FC236}">
+                <a16:creationId xmlns:a16="http://schemas.microsoft.com/office/drawing/2014/main" id="{9309495F-816D-A0CC-F9BA-11FD1145DF45}"/>
+              </a:ext>
+            </a:extLst>
+          </p:cNvPr>
+          <p:cNvSpPr/>
+          <p:nvPr/>
+        </p:nvSpPr>
+        <p:spPr>
+          <a:xfrm>
+            <a:off x="8367607" y="2300993"/>
+            <a:ext cx="1591055" cy="385552"/>
+          </a:xfrm>
+          <a:prstGeom prst="roundRect">
+            <a:avLst/>
+          </a:prstGeom>
+          <a:solidFill>
+            <a:schemeClr val="accent1">
+              <a:lumMod val="40000"/>
+              <a:lumOff val="60000"/>
+            </a:schemeClr>
+          </a:solidFill>
+          <a:ln>
             <a:noFill/>
-            <a:ln>
-              <a:solidFill>
-                <a:srgbClr val="FF0000"/>
-              </a:solidFill>
-            </a:ln>
-          </p:spPr>
-          <p:style>
-            <a:lnRef idx="2">
-              <a:schemeClr val="accent1">
-                <a:shade val="15000"/>
-              </a:schemeClr>
-            </a:lnRef>
-            <a:fillRef idx="1">
-              <a:schemeClr val="accent1"/>
-            </a:fillRef>
-            <a:effectRef idx="0">
-              <a:schemeClr val="accent1"/>
-            </a:effectRef>
-            <a:fontRef idx="minor">
-              <a:schemeClr val="lt1"/>
-            </a:fontRef>
-          </p:style>
-          <p:txBody>
-            <a:bodyPr rtlCol="0" anchor="ctr"/>
-            <a:lstStyle/>
-            <a:p>
-              <a:pPr algn="ctr"/>
-              <a:endParaRPr lang="en-US"/>
-            </a:p>
-          </p:txBody>
-        </p:sp>
-        <p:sp>
-          <p:nvSpPr>
-            <p:cNvPr id="122" name="Rectangle 121">
-              <a:extLst>
-                <a:ext uri="{FF2B5EF4-FFF2-40B4-BE49-F238E27FC236}">
-                  <a16:creationId xmlns:a16="http://schemas.microsoft.com/office/drawing/2014/main" id="{57CB0631-ABF0-0A99-51C9-2A79D9A079A6}"/>
-                </a:ext>
-              </a:extLst>
-            </p:cNvPr>
-            <p:cNvSpPr/>
-            <p:nvPr/>
-          </p:nvSpPr>
-          <p:spPr>
-            <a:xfrm>
-              <a:off x="6827309" y="475219"/>
-              <a:ext cx="4626167" cy="6029326"/>
-            </a:xfrm>
-            <a:prstGeom prst="rect">
-              <a:avLst/>
-            </a:prstGeom>
+          </a:ln>
+        </p:spPr>
+        <p:style>
+          <a:lnRef idx="0">
+            <a:scrgbClr r="0" g="0" b="0"/>
+          </a:lnRef>
+          <a:fillRef idx="0">
+            <a:scrgbClr r="0" g="0" b="0"/>
+          </a:fillRef>
+          <a:effectRef idx="0">
+            <a:scrgbClr r="0" g="0" b="0"/>
+          </a:effectRef>
+          <a:fontRef idx="minor">
+            <a:schemeClr val="lt1"/>
+          </a:fontRef>
+        </p:style>
+        <p:txBody>
+          <a:bodyPr rtlCol="0" anchor="ctr"/>
+          <a:lstStyle/>
+          <a:p>
+            <a:pPr algn="ctr"/>
+            <a:r>
+              <a:rPr lang="en-US" sz="1400" dirty="0"/>
+              <a:t>Whisper ASR</a:t>
+            </a:r>
+          </a:p>
+        </p:txBody>
+      </p:sp>
+      <p:sp>
+        <p:nvSpPr>
+          <p:cNvPr id="55" name="Rectangle: Rounded Corners 54">
+            <a:extLst>
+              <a:ext uri="{FF2B5EF4-FFF2-40B4-BE49-F238E27FC236}">
+                <a16:creationId xmlns:a16="http://schemas.microsoft.com/office/drawing/2014/main" id="{348F73AB-2972-7D91-E918-27D2BE288B45}"/>
+              </a:ext>
+            </a:extLst>
+          </p:cNvPr>
+          <p:cNvSpPr/>
+          <p:nvPr/>
+        </p:nvSpPr>
+        <p:spPr>
+          <a:xfrm>
+            <a:off x="8367607" y="2920884"/>
+            <a:ext cx="1591056" cy="385552"/>
+          </a:xfrm>
+          <a:prstGeom prst="roundRect">
+            <a:avLst/>
+          </a:prstGeom>
+          <a:solidFill>
+            <a:schemeClr val="accent6"/>
+          </a:solidFill>
+          <a:ln>
             <a:noFill/>
-            <a:ln>
-              <a:solidFill>
-                <a:srgbClr val="FF0000"/>
-              </a:solidFill>
-            </a:ln>
-          </p:spPr>
-          <p:style>
-            <a:lnRef idx="2">
-              <a:schemeClr val="accent1">
-                <a:shade val="15000"/>
-              </a:schemeClr>
-            </a:lnRef>
-            <a:fillRef idx="1">
-              <a:schemeClr val="accent1"/>
-            </a:fillRef>
-            <a:effectRef idx="0">
-              <a:schemeClr val="accent1"/>
-            </a:effectRef>
-            <a:fontRef idx="minor">
-              <a:schemeClr val="lt1"/>
-            </a:fontRef>
-          </p:style>
-          <p:txBody>
-            <a:bodyPr rtlCol="0" anchor="ctr"/>
-            <a:lstStyle/>
-            <a:p>
-              <a:pPr algn="ctr"/>
-              <a:endParaRPr lang="en-US"/>
-            </a:p>
-          </p:txBody>
-        </p:sp>
-        <p:sp>
-          <p:nvSpPr>
-            <p:cNvPr id="123" name="TextBox 122">
-              <a:extLst>
-                <a:ext uri="{FF2B5EF4-FFF2-40B4-BE49-F238E27FC236}">
-                  <a16:creationId xmlns:a16="http://schemas.microsoft.com/office/drawing/2014/main" id="{3EB8AF43-B795-4997-2C5B-6A7BB010EBF8}"/>
-                </a:ext>
-              </a:extLst>
-            </p:cNvPr>
-            <p:cNvSpPr txBox="1"/>
-            <p:nvPr/>
-          </p:nvSpPr>
-          <p:spPr>
-            <a:xfrm>
-              <a:off x="597611" y="500198"/>
-              <a:ext cx="1966247" cy="307777"/>
-            </a:xfrm>
-            <a:prstGeom prst="rect">
-              <a:avLst/>
-            </a:prstGeom>
+          </a:ln>
+        </p:spPr>
+        <p:style>
+          <a:lnRef idx="0">
+            <a:scrgbClr r="0" g="0" b="0"/>
+          </a:lnRef>
+          <a:fillRef idx="0">
+            <a:scrgbClr r="0" g="0" b="0"/>
+          </a:fillRef>
+          <a:effectRef idx="0">
+            <a:scrgbClr r="0" g="0" b="0"/>
+          </a:effectRef>
+          <a:fontRef idx="minor">
+            <a:schemeClr val="lt1"/>
+          </a:fontRef>
+        </p:style>
+        <p:txBody>
+          <a:bodyPr rtlCol="0" anchor="ctr"/>
+          <a:lstStyle/>
+          <a:p>
+            <a:pPr algn="ctr"/>
+            <a:r>
+              <a:rPr lang="en-US" sz="1000" dirty="0"/>
+              <a:t>LLM</a:t>
+            </a:r>
+          </a:p>
+          <a:p>
+            <a:pPr algn="ctr"/>
+            <a:r>
+              <a:rPr lang="en-US" sz="1000" dirty="0"/>
+              <a:t>(search content)</a:t>
+            </a:r>
+          </a:p>
+        </p:txBody>
+      </p:sp>
+      <p:cxnSp>
+        <p:nvCxnSpPr>
+          <p:cNvPr id="57" name="Straight Arrow Connector 56">
+            <a:extLst>
+              <a:ext uri="{FF2B5EF4-FFF2-40B4-BE49-F238E27FC236}">
+                <a16:creationId xmlns:a16="http://schemas.microsoft.com/office/drawing/2014/main" id="{D558D8EA-01F4-962D-ED5F-88DEF2B094C1}"/>
+              </a:ext>
+            </a:extLst>
+          </p:cNvPr>
+          <p:cNvCxnSpPr>
+            <a:cxnSpLocks/>
+            <a:stCxn id="53" idx="2"/>
+            <a:endCxn id="55" idx="0"/>
+          </p:cNvCxnSpPr>
+          <p:nvPr/>
+        </p:nvCxnSpPr>
+        <p:spPr>
+          <a:xfrm>
+            <a:off x="9163135" y="2686545"/>
+            <a:ext cx="0" cy="234339"/>
+          </a:xfrm>
+          <a:prstGeom prst="straightConnector1">
+            <a:avLst/>
+          </a:prstGeom>
+          <a:ln>
+            <a:tailEnd type="triangle"/>
+          </a:ln>
+        </p:spPr>
+        <p:style>
+          <a:lnRef idx="2">
+            <a:schemeClr val="accent1"/>
+          </a:lnRef>
+          <a:fillRef idx="0">
+            <a:schemeClr val="accent1"/>
+          </a:fillRef>
+          <a:effectRef idx="1">
+            <a:schemeClr val="accent1"/>
+          </a:effectRef>
+          <a:fontRef idx="minor">
+            <a:schemeClr val="tx1"/>
+          </a:fontRef>
+        </p:style>
+      </p:cxnSp>
+      <p:cxnSp>
+        <p:nvCxnSpPr>
+          <p:cNvPr id="67" name="Straight Arrow Connector 66">
+            <a:extLst>
+              <a:ext uri="{FF2B5EF4-FFF2-40B4-BE49-F238E27FC236}">
+                <a16:creationId xmlns:a16="http://schemas.microsoft.com/office/drawing/2014/main" id="{9086EAA3-6287-C738-F315-09A2B3ED48F5}"/>
+              </a:ext>
+            </a:extLst>
+          </p:cNvPr>
+          <p:cNvCxnSpPr>
+            <a:cxnSpLocks/>
+            <a:stCxn id="50" idx="2"/>
+            <a:endCxn id="53" idx="0"/>
+          </p:cNvCxnSpPr>
+          <p:nvPr/>
+        </p:nvCxnSpPr>
+        <p:spPr>
+          <a:xfrm flipH="1">
+            <a:off x="9163135" y="2069126"/>
+            <a:ext cx="2" cy="231867"/>
+          </a:xfrm>
+          <a:prstGeom prst="straightConnector1">
+            <a:avLst/>
+          </a:prstGeom>
+          <a:ln>
+            <a:tailEnd type="triangle"/>
+          </a:ln>
+        </p:spPr>
+        <p:style>
+          <a:lnRef idx="2">
+            <a:schemeClr val="accent1"/>
+          </a:lnRef>
+          <a:fillRef idx="0">
+            <a:schemeClr val="accent1"/>
+          </a:fillRef>
+          <a:effectRef idx="1">
+            <a:schemeClr val="accent1"/>
+          </a:effectRef>
+          <a:fontRef idx="minor">
+            <a:schemeClr val="tx1"/>
+          </a:fontRef>
+        </p:style>
+      </p:cxnSp>
+      <p:sp>
+        <p:nvSpPr>
+          <p:cNvPr id="83" name="TextBox 82">
+            <a:extLst>
+              <a:ext uri="{FF2B5EF4-FFF2-40B4-BE49-F238E27FC236}">
+                <a16:creationId xmlns:a16="http://schemas.microsoft.com/office/drawing/2014/main" id="{A3814DFD-9C32-3E1E-BBEB-992BE1442234}"/>
+              </a:ext>
+            </a:extLst>
+          </p:cNvPr>
+          <p:cNvSpPr txBox="1"/>
+          <p:nvPr/>
+        </p:nvSpPr>
+        <p:spPr>
+          <a:xfrm>
+            <a:off x="7038892" y="3652333"/>
+            <a:ext cx="4248484" cy="307777"/>
+          </a:xfrm>
+          <a:prstGeom prst="rect">
+            <a:avLst/>
+          </a:prstGeom>
+          <a:noFill/>
+        </p:spPr>
+        <p:txBody>
+          <a:bodyPr wrap="square" rtlCol="0">
+            <a:spAutoFit/>
+          </a:bodyPr>
+          <a:lstStyle/>
+          <a:p>
+            <a:pPr algn="ctr"/>
+            <a:r>
+              <a:rPr lang="en-US" sz="1400" dirty="0"/>
+              <a:t>Potential Match Content Sections (timestamps)</a:t>
+            </a:r>
+          </a:p>
+        </p:txBody>
+      </p:sp>
+      <p:sp>
+        <p:nvSpPr>
+          <p:cNvPr id="117" name="TextBox 116">
+            <a:extLst>
+              <a:ext uri="{FF2B5EF4-FFF2-40B4-BE49-F238E27FC236}">
+                <a16:creationId xmlns:a16="http://schemas.microsoft.com/office/drawing/2014/main" id="{7D1D6EA1-3931-920E-D8CC-25E3C5C069E3}"/>
+              </a:ext>
+            </a:extLst>
+          </p:cNvPr>
+          <p:cNvSpPr txBox="1"/>
+          <p:nvPr/>
+        </p:nvSpPr>
+        <p:spPr>
+          <a:xfrm>
+            <a:off x="7579795" y="5184333"/>
+            <a:ext cx="3166678" cy="307777"/>
+          </a:xfrm>
+          <a:prstGeom prst="rect">
+            <a:avLst/>
+          </a:prstGeom>
+          <a:noFill/>
+        </p:spPr>
+        <p:txBody>
+          <a:bodyPr wrap="square" rtlCol="0">
+            <a:spAutoFit/>
+          </a:bodyPr>
+          <a:lstStyle/>
+          <a:p>
+            <a:pPr algn="ctr"/>
+            <a:r>
+              <a:rPr lang="en-US" sz="1400" dirty="0"/>
+              <a:t>Match Content Sections (timestamps)</a:t>
+            </a:r>
+          </a:p>
+        </p:txBody>
+      </p:sp>
+      <p:sp>
+        <p:nvSpPr>
+          <p:cNvPr id="121" name="Rectangle 120">
+            <a:extLst>
+              <a:ext uri="{FF2B5EF4-FFF2-40B4-BE49-F238E27FC236}">
+                <a16:creationId xmlns:a16="http://schemas.microsoft.com/office/drawing/2014/main" id="{C5627E01-E144-9AE4-1452-3785FDBD18E5}"/>
+              </a:ext>
+            </a:extLst>
+          </p:cNvPr>
+          <p:cNvSpPr/>
+          <p:nvPr/>
+        </p:nvSpPr>
+        <p:spPr>
+          <a:xfrm>
+            <a:off x="656916" y="414338"/>
+            <a:ext cx="5529676" cy="6029325"/>
+          </a:xfrm>
+          <a:prstGeom prst="rect">
+            <a:avLst/>
+          </a:prstGeom>
+          <a:noFill/>
+          <a:ln>
+            <a:solidFill>
+              <a:srgbClr val="FF0000"/>
+            </a:solidFill>
+          </a:ln>
+        </p:spPr>
+        <p:style>
+          <a:lnRef idx="2">
+            <a:schemeClr val="accent1">
+              <a:shade val="15000"/>
+            </a:schemeClr>
+          </a:lnRef>
+          <a:fillRef idx="1">
+            <a:schemeClr val="accent1"/>
+          </a:fillRef>
+          <a:effectRef idx="0">
+            <a:schemeClr val="accent1"/>
+          </a:effectRef>
+          <a:fontRef idx="minor">
+            <a:schemeClr val="lt1"/>
+          </a:fontRef>
+        </p:style>
+        <p:txBody>
+          <a:bodyPr rtlCol="0" anchor="ctr"/>
+          <a:lstStyle/>
+          <a:p>
+            <a:pPr algn="ctr"/>
+            <a:endParaRPr lang="en-US"/>
+          </a:p>
+        </p:txBody>
+      </p:sp>
+      <p:sp>
+        <p:nvSpPr>
+          <p:cNvPr id="122" name="Rectangle 121">
+            <a:extLst>
+              <a:ext uri="{FF2B5EF4-FFF2-40B4-BE49-F238E27FC236}">
+                <a16:creationId xmlns:a16="http://schemas.microsoft.com/office/drawing/2014/main" id="{57CB0631-ABF0-0A99-51C9-2A79D9A079A6}"/>
+              </a:ext>
+            </a:extLst>
+          </p:cNvPr>
+          <p:cNvSpPr/>
+          <p:nvPr/>
+        </p:nvSpPr>
+        <p:spPr>
+          <a:xfrm>
+            <a:off x="6908917" y="414337"/>
+            <a:ext cx="4626167" cy="6029326"/>
+          </a:xfrm>
+          <a:prstGeom prst="rect">
+            <a:avLst/>
+          </a:prstGeom>
+          <a:noFill/>
+          <a:ln>
+            <a:solidFill>
+              <a:srgbClr val="FF0000"/>
+            </a:solidFill>
+          </a:ln>
+        </p:spPr>
+        <p:style>
+          <a:lnRef idx="2">
+            <a:schemeClr val="accent1">
+              <a:shade val="15000"/>
+            </a:schemeClr>
+          </a:lnRef>
+          <a:fillRef idx="1">
+            <a:schemeClr val="accent1"/>
+          </a:fillRef>
+          <a:effectRef idx="0">
+            <a:schemeClr val="accent1"/>
+          </a:effectRef>
+          <a:fontRef idx="minor">
+            <a:schemeClr val="lt1"/>
+          </a:fontRef>
+        </p:style>
+        <p:txBody>
+          <a:bodyPr rtlCol="0" anchor="ctr"/>
+          <a:lstStyle/>
+          <a:p>
+            <a:pPr algn="ctr"/>
+            <a:endParaRPr lang="en-US"/>
+          </a:p>
+        </p:txBody>
+      </p:sp>
+      <p:sp>
+        <p:nvSpPr>
+          <p:cNvPr id="123" name="TextBox 122">
+            <a:extLst>
+              <a:ext uri="{FF2B5EF4-FFF2-40B4-BE49-F238E27FC236}">
+                <a16:creationId xmlns:a16="http://schemas.microsoft.com/office/drawing/2014/main" id="{3EB8AF43-B795-4997-2C5B-6A7BB010EBF8}"/>
+              </a:ext>
+            </a:extLst>
+          </p:cNvPr>
+          <p:cNvSpPr txBox="1"/>
+          <p:nvPr/>
+        </p:nvSpPr>
+        <p:spPr>
+          <a:xfrm>
+            <a:off x="679219" y="439316"/>
+            <a:ext cx="1966247" cy="307777"/>
+          </a:xfrm>
+          <a:prstGeom prst="rect">
+            <a:avLst/>
+          </a:prstGeom>
+          <a:noFill/>
+        </p:spPr>
+        <p:txBody>
+          <a:bodyPr wrap="square" rtlCol="0">
+            <a:spAutoFit/>
+          </a:bodyPr>
+          <a:lstStyle/>
+          <a:p>
+            <a:r>
+              <a:rPr lang="en-US" sz="1400" dirty="0"/>
+              <a:t>Candidate Selection </a:t>
+            </a:r>
+          </a:p>
+        </p:txBody>
+      </p:sp>
+      <p:sp>
+        <p:nvSpPr>
+          <p:cNvPr id="124" name="TextBox 123">
+            <a:extLst>
+              <a:ext uri="{FF2B5EF4-FFF2-40B4-BE49-F238E27FC236}">
+                <a16:creationId xmlns:a16="http://schemas.microsoft.com/office/drawing/2014/main" id="{BD1A95C2-7744-A5D2-8122-FEEF5B208F2A}"/>
+              </a:ext>
+            </a:extLst>
+          </p:cNvPr>
+          <p:cNvSpPr txBox="1"/>
+          <p:nvPr/>
+        </p:nvSpPr>
+        <p:spPr>
+          <a:xfrm>
+            <a:off x="6925884" y="444214"/>
+            <a:ext cx="2099699" cy="307777"/>
+          </a:xfrm>
+          <a:prstGeom prst="rect">
+            <a:avLst/>
+          </a:prstGeom>
+          <a:noFill/>
+        </p:spPr>
+        <p:txBody>
+          <a:bodyPr wrap="square" rtlCol="0">
+            <a:spAutoFit/>
+          </a:bodyPr>
+          <a:lstStyle/>
+          <a:p>
+            <a:r>
+              <a:rPr lang="en-US" sz="1400" dirty="0"/>
+              <a:t>Local Content Selection </a:t>
+            </a:r>
+          </a:p>
+        </p:txBody>
+      </p:sp>
+      <p:sp>
+        <p:nvSpPr>
+          <p:cNvPr id="19" name="Rectangle: Rounded Corners 18">
+            <a:extLst>
+              <a:ext uri="{FF2B5EF4-FFF2-40B4-BE49-F238E27FC236}">
+                <a16:creationId xmlns:a16="http://schemas.microsoft.com/office/drawing/2014/main" id="{0590D98E-2715-8522-C8AC-4BA477930E87}"/>
+              </a:ext>
+            </a:extLst>
+          </p:cNvPr>
+          <p:cNvSpPr/>
+          <p:nvPr/>
+        </p:nvSpPr>
+        <p:spPr>
+          <a:xfrm>
+            <a:off x="2367570" y="2545103"/>
+            <a:ext cx="1591056" cy="385552"/>
+          </a:xfrm>
+          <a:prstGeom prst="roundRect">
+            <a:avLst/>
+          </a:prstGeom>
+          <a:solidFill>
+            <a:schemeClr val="accent6"/>
+          </a:solidFill>
+          <a:ln>
             <a:noFill/>
-          </p:spPr>
-          <p:txBody>
-            <a:bodyPr wrap="square" rtlCol="0">
-              <a:spAutoFit/>
-            </a:bodyPr>
-            <a:lstStyle/>
-            <a:p>
-              <a:r>
-                <a:rPr lang="en-US" sz="1400" dirty="0"/>
-                <a:t>Candidate Selection </a:t>
-              </a:r>
-            </a:p>
-          </p:txBody>
-        </p:sp>
-        <p:sp>
-          <p:nvSpPr>
-            <p:cNvPr id="124" name="TextBox 123">
-              <a:extLst>
-                <a:ext uri="{FF2B5EF4-FFF2-40B4-BE49-F238E27FC236}">
-                  <a16:creationId xmlns:a16="http://schemas.microsoft.com/office/drawing/2014/main" id="{BD1A95C2-7744-A5D2-8122-FEEF5B208F2A}"/>
-                </a:ext>
-              </a:extLst>
-            </p:cNvPr>
-            <p:cNvSpPr txBox="1"/>
-            <p:nvPr/>
-          </p:nvSpPr>
-          <p:spPr>
-            <a:xfrm>
-              <a:off x="6844276" y="505096"/>
-              <a:ext cx="2099699" cy="307777"/>
-            </a:xfrm>
-            <a:prstGeom prst="rect">
-              <a:avLst/>
-            </a:prstGeom>
+          </a:ln>
+        </p:spPr>
+        <p:style>
+          <a:lnRef idx="0">
+            <a:scrgbClr r="0" g="0" b="0"/>
+          </a:lnRef>
+          <a:fillRef idx="0">
+            <a:scrgbClr r="0" g="0" b="0"/>
+          </a:fillRef>
+          <a:effectRef idx="0">
+            <a:scrgbClr r="0" g="0" b="0"/>
+          </a:effectRef>
+          <a:fontRef idx="minor">
+            <a:schemeClr val="lt1"/>
+          </a:fontRef>
+        </p:style>
+        <p:txBody>
+          <a:bodyPr rtlCol="0" anchor="ctr"/>
+          <a:lstStyle/>
+          <a:p>
+            <a:pPr algn="ctr"/>
+            <a:r>
+              <a:rPr lang="en-US" sz="1000" dirty="0"/>
+              <a:t>LLM </a:t>
+            </a:r>
+          </a:p>
+          <a:p>
+            <a:pPr algn="ctr"/>
+            <a:r>
+              <a:rPr lang="en-US" sz="1000" dirty="0"/>
+              <a:t>(refined search query)</a:t>
+            </a:r>
+          </a:p>
+        </p:txBody>
+      </p:sp>
+      <p:cxnSp>
+        <p:nvCxnSpPr>
+          <p:cNvPr id="30" name="Straight Arrow Connector 29">
+            <a:extLst>
+              <a:ext uri="{FF2B5EF4-FFF2-40B4-BE49-F238E27FC236}">
+                <a16:creationId xmlns:a16="http://schemas.microsoft.com/office/drawing/2014/main" id="{61759EF5-B4F1-6F05-8D70-CFAC88E19DE9}"/>
+              </a:ext>
+            </a:extLst>
+          </p:cNvPr>
+          <p:cNvCxnSpPr>
+            <a:cxnSpLocks/>
+            <a:stCxn id="7" idx="2"/>
+            <a:endCxn id="8" idx="0"/>
+          </p:cNvCxnSpPr>
+          <p:nvPr/>
+        </p:nvCxnSpPr>
+        <p:spPr>
+          <a:xfrm>
+            <a:off x="3163098" y="1781267"/>
+            <a:ext cx="0" cy="244646"/>
+          </a:xfrm>
+          <a:prstGeom prst="straightConnector1">
+            <a:avLst/>
+          </a:prstGeom>
+          <a:ln>
+            <a:tailEnd type="triangle"/>
+          </a:ln>
+        </p:spPr>
+        <p:style>
+          <a:lnRef idx="2">
+            <a:schemeClr val="accent1"/>
+          </a:lnRef>
+          <a:fillRef idx="0">
+            <a:schemeClr val="accent1"/>
+          </a:fillRef>
+          <a:effectRef idx="1">
+            <a:schemeClr val="accent1"/>
+          </a:effectRef>
+          <a:fontRef idx="minor">
+            <a:schemeClr val="tx1"/>
+          </a:fontRef>
+        </p:style>
+      </p:cxnSp>
+      <p:cxnSp>
+        <p:nvCxnSpPr>
+          <p:cNvPr id="32" name="Straight Arrow Connector 31">
+            <a:extLst>
+              <a:ext uri="{FF2B5EF4-FFF2-40B4-BE49-F238E27FC236}">
+                <a16:creationId xmlns:a16="http://schemas.microsoft.com/office/drawing/2014/main" id="{224432F5-6CDF-4CE8-DE20-A9A6043AB660}"/>
+              </a:ext>
+            </a:extLst>
+          </p:cNvPr>
+          <p:cNvCxnSpPr>
+            <a:cxnSpLocks/>
+            <a:stCxn id="8" idx="2"/>
+            <a:endCxn id="19" idx="0"/>
+          </p:cNvCxnSpPr>
+          <p:nvPr/>
+        </p:nvCxnSpPr>
+        <p:spPr>
+          <a:xfrm>
+            <a:off x="3163098" y="2272134"/>
+            <a:ext cx="0" cy="272969"/>
+          </a:xfrm>
+          <a:prstGeom prst="straightConnector1">
+            <a:avLst/>
+          </a:prstGeom>
+          <a:ln>
+            <a:tailEnd type="triangle"/>
+          </a:ln>
+        </p:spPr>
+        <p:style>
+          <a:lnRef idx="2">
+            <a:schemeClr val="accent1"/>
+          </a:lnRef>
+          <a:fillRef idx="0">
+            <a:schemeClr val="accent1"/>
+          </a:fillRef>
+          <a:effectRef idx="1">
+            <a:schemeClr val="accent1"/>
+          </a:effectRef>
+          <a:fontRef idx="minor">
+            <a:schemeClr val="tx1"/>
+          </a:fontRef>
+        </p:style>
+      </p:cxnSp>
+      <p:cxnSp>
+        <p:nvCxnSpPr>
+          <p:cNvPr id="39" name="Straight Arrow Connector 38">
+            <a:extLst>
+              <a:ext uri="{FF2B5EF4-FFF2-40B4-BE49-F238E27FC236}">
+                <a16:creationId xmlns:a16="http://schemas.microsoft.com/office/drawing/2014/main" id="{4731CFB2-8857-5F2B-E3BB-844DBB2A5B56}"/>
+              </a:ext>
+            </a:extLst>
+          </p:cNvPr>
+          <p:cNvCxnSpPr>
+            <a:cxnSpLocks/>
+            <a:stCxn id="19" idx="2"/>
+            <a:endCxn id="9" idx="0"/>
+          </p:cNvCxnSpPr>
+          <p:nvPr/>
+        </p:nvCxnSpPr>
+        <p:spPr>
+          <a:xfrm>
+            <a:off x="3163098" y="2930655"/>
+            <a:ext cx="0" cy="410720"/>
+          </a:xfrm>
+          <a:prstGeom prst="straightConnector1">
+            <a:avLst/>
+          </a:prstGeom>
+          <a:ln>
+            <a:tailEnd type="triangle"/>
+          </a:ln>
+        </p:spPr>
+        <p:style>
+          <a:lnRef idx="2">
+            <a:schemeClr val="accent1"/>
+          </a:lnRef>
+          <a:fillRef idx="0">
+            <a:schemeClr val="accent1"/>
+          </a:fillRef>
+          <a:effectRef idx="1">
+            <a:schemeClr val="accent1"/>
+          </a:effectRef>
+          <a:fontRef idx="minor">
+            <a:schemeClr val="tx1"/>
+          </a:fontRef>
+        </p:style>
+      </p:cxnSp>
+      <p:cxnSp>
+        <p:nvCxnSpPr>
+          <p:cNvPr id="43" name="Straight Arrow Connector 42">
+            <a:extLst>
+              <a:ext uri="{FF2B5EF4-FFF2-40B4-BE49-F238E27FC236}">
+                <a16:creationId xmlns:a16="http://schemas.microsoft.com/office/drawing/2014/main" id="{F8D22392-11A6-2D1B-223C-0BB1A474B20D}"/>
+              </a:ext>
+            </a:extLst>
+          </p:cNvPr>
+          <p:cNvCxnSpPr>
+            <a:cxnSpLocks/>
+            <a:endCxn id="58" idx="0"/>
+          </p:cNvCxnSpPr>
+          <p:nvPr/>
+        </p:nvCxnSpPr>
+        <p:spPr>
+          <a:xfrm>
+            <a:off x="3163097" y="4369206"/>
+            <a:ext cx="0" cy="456394"/>
+          </a:xfrm>
+          <a:prstGeom prst="straightConnector1">
+            <a:avLst/>
+          </a:prstGeom>
+          <a:ln>
+            <a:tailEnd type="triangle"/>
+          </a:ln>
+        </p:spPr>
+        <p:style>
+          <a:lnRef idx="2">
+            <a:schemeClr val="accent1"/>
+          </a:lnRef>
+          <a:fillRef idx="0">
+            <a:schemeClr val="accent1"/>
+          </a:fillRef>
+          <a:effectRef idx="1">
+            <a:schemeClr val="accent1"/>
+          </a:effectRef>
+          <a:fontRef idx="minor">
+            <a:schemeClr val="tx1"/>
+          </a:fontRef>
+        </p:style>
+      </p:cxnSp>
+      <p:cxnSp>
+        <p:nvCxnSpPr>
+          <p:cNvPr id="52" name="Connector: Elbow 51">
+            <a:extLst>
+              <a:ext uri="{FF2B5EF4-FFF2-40B4-BE49-F238E27FC236}">
+                <a16:creationId xmlns:a16="http://schemas.microsoft.com/office/drawing/2014/main" id="{8CB1106B-D381-7630-CC01-9D5C1AA83531}"/>
+              </a:ext>
+            </a:extLst>
+          </p:cNvPr>
+          <p:cNvCxnSpPr>
+            <a:cxnSpLocks/>
+            <a:stCxn id="8" idx="3"/>
+            <a:endCxn id="55" idx="1"/>
+          </p:cNvCxnSpPr>
+          <p:nvPr/>
+        </p:nvCxnSpPr>
+        <p:spPr>
+          <a:xfrm>
+            <a:off x="4787158" y="2149024"/>
+            <a:ext cx="3580449" cy="964636"/>
+          </a:xfrm>
+          <a:prstGeom prst="bentConnector3">
+            <a:avLst/>
+          </a:prstGeom>
+          <a:ln w="19050" cap="flat" cmpd="sng" algn="ctr">
+            <a:solidFill>
+              <a:srgbClr val="7030A0"/>
+            </a:solidFill>
+            <a:prstDash val="dash"/>
+            <a:round/>
+            <a:headEnd type="none" w="med" len="med"/>
+            <a:tailEnd type="triangle" w="med" len="med"/>
+          </a:ln>
+        </p:spPr>
+        <p:style>
+          <a:lnRef idx="0">
+            <a:scrgbClr r="0" g="0" b="0"/>
+          </a:lnRef>
+          <a:fillRef idx="0">
+            <a:scrgbClr r="0" g="0" b="0"/>
+          </a:fillRef>
+          <a:effectRef idx="0">
+            <a:scrgbClr r="0" g="0" b="0"/>
+          </a:effectRef>
+          <a:fontRef idx="minor">
+            <a:schemeClr val="tx1"/>
+          </a:fontRef>
+        </p:style>
+      </p:cxnSp>
+      <p:sp>
+        <p:nvSpPr>
+          <p:cNvPr id="58" name="Rectangle: Rounded Corners 57">
+            <a:extLst>
+              <a:ext uri="{FF2B5EF4-FFF2-40B4-BE49-F238E27FC236}">
+                <a16:creationId xmlns:a16="http://schemas.microsoft.com/office/drawing/2014/main" id="{6DBC4F53-D52F-E680-15C5-D1A41867CD05}"/>
+              </a:ext>
+            </a:extLst>
+          </p:cNvPr>
+          <p:cNvSpPr/>
+          <p:nvPr/>
+        </p:nvSpPr>
+        <p:spPr>
+          <a:xfrm>
+            <a:off x="2093956" y="4825600"/>
+            <a:ext cx="2138282" cy="385552"/>
+          </a:xfrm>
+          <a:prstGeom prst="roundRect">
+            <a:avLst/>
+          </a:prstGeom>
+          <a:solidFill>
+            <a:schemeClr val="accent6"/>
+          </a:solidFill>
+          <a:ln>
             <a:noFill/>
-          </p:spPr>
-          <p:txBody>
-            <a:bodyPr wrap="square" rtlCol="0">
-              <a:spAutoFit/>
-            </a:bodyPr>
-            <a:lstStyle/>
-            <a:p>
-              <a:r>
-                <a:rPr lang="en-US" sz="1400" dirty="0"/>
-                <a:t>Local Content Selection </a:t>
-              </a:r>
-            </a:p>
-          </p:txBody>
-        </p:sp>
-      </p:grpSp>
+          </a:ln>
+        </p:spPr>
+        <p:style>
+          <a:lnRef idx="0">
+            <a:scrgbClr r="0" g="0" b="0"/>
+          </a:lnRef>
+          <a:fillRef idx="0">
+            <a:scrgbClr r="0" g="0" b="0"/>
+          </a:fillRef>
+          <a:effectRef idx="0">
+            <a:scrgbClr r="0" g="0" b="0"/>
+          </a:effectRef>
+          <a:fontRef idx="minor">
+            <a:schemeClr val="lt1"/>
+          </a:fontRef>
+        </p:style>
+        <p:txBody>
+          <a:bodyPr rtlCol="0" anchor="ctr"/>
+          <a:lstStyle/>
+          <a:p>
+            <a:pPr algn="ctr"/>
+            <a:r>
+              <a:rPr lang="en-US" sz="1000" dirty="0"/>
+              <a:t>LLM </a:t>
+            </a:r>
+          </a:p>
+          <a:p>
+            <a:pPr algn="ctr"/>
+            <a:r>
+              <a:rPr lang="en-US" sz="1000" dirty="0"/>
+              <a:t>(Finding similarity and Ranking)</a:t>
+            </a:r>
+          </a:p>
+        </p:txBody>
+      </p:sp>
+      <p:cxnSp>
+        <p:nvCxnSpPr>
+          <p:cNvPr id="74" name="Connector: Elbow 73">
+            <a:extLst>
+              <a:ext uri="{FF2B5EF4-FFF2-40B4-BE49-F238E27FC236}">
+                <a16:creationId xmlns:a16="http://schemas.microsoft.com/office/drawing/2014/main" id="{5318E653-A515-F13C-B347-2518788D7F24}"/>
+              </a:ext>
+            </a:extLst>
+          </p:cNvPr>
+          <p:cNvCxnSpPr>
+            <a:cxnSpLocks/>
+            <a:endCxn id="58" idx="1"/>
+          </p:cNvCxnSpPr>
+          <p:nvPr/>
+        </p:nvCxnSpPr>
+        <p:spPr>
+          <a:xfrm rot="5400000">
+            <a:off x="449775" y="3172817"/>
+            <a:ext cx="3489741" cy="201377"/>
+          </a:xfrm>
+          <a:prstGeom prst="bentConnector4">
+            <a:avLst>
+              <a:gd name="adj1" fmla="val 180"/>
+              <a:gd name="adj2" fmla="val 556390"/>
+            </a:avLst>
+          </a:prstGeom>
+          <a:ln>
+            <a:headEnd type="none" w="med" len="med"/>
+            <a:tailEnd type="triangle" w="med" len="med"/>
+          </a:ln>
+        </p:spPr>
+        <p:style>
+          <a:lnRef idx="2">
+            <a:schemeClr val="accent1"/>
+          </a:lnRef>
+          <a:fillRef idx="0">
+            <a:schemeClr val="accent1"/>
+          </a:fillRef>
+          <a:effectRef idx="1">
+            <a:schemeClr val="accent1"/>
+          </a:effectRef>
+          <a:fontRef idx="minor">
+            <a:schemeClr val="tx1"/>
+          </a:fontRef>
+        </p:style>
+      </p:cxnSp>
+      <p:sp>
+        <p:nvSpPr>
+          <p:cNvPr id="88" name="Rectangle: Rounded Corners 87">
+            <a:extLst>
+              <a:ext uri="{FF2B5EF4-FFF2-40B4-BE49-F238E27FC236}">
+                <a16:creationId xmlns:a16="http://schemas.microsoft.com/office/drawing/2014/main" id="{71F1AF14-8003-13A4-FC49-95481E99B8ED}"/>
+              </a:ext>
+            </a:extLst>
+          </p:cNvPr>
+          <p:cNvSpPr/>
+          <p:nvPr/>
+        </p:nvSpPr>
+        <p:spPr>
+          <a:xfrm>
+            <a:off x="8367606" y="4388205"/>
+            <a:ext cx="1591056" cy="385552"/>
+          </a:xfrm>
+          <a:prstGeom prst="roundRect">
+            <a:avLst/>
+          </a:prstGeom>
+          <a:solidFill>
+            <a:schemeClr val="accent6"/>
+          </a:solidFill>
+          <a:ln>
+            <a:noFill/>
+          </a:ln>
+        </p:spPr>
+        <p:style>
+          <a:lnRef idx="0">
+            <a:scrgbClr r="0" g="0" b="0"/>
+          </a:lnRef>
+          <a:fillRef idx="0">
+            <a:scrgbClr r="0" g="0" b="0"/>
+          </a:fillRef>
+          <a:effectRef idx="0">
+            <a:scrgbClr r="0" g="0" b="0"/>
+          </a:effectRef>
+          <a:fontRef idx="minor">
+            <a:schemeClr val="lt1"/>
+          </a:fontRef>
+        </p:style>
+        <p:txBody>
+          <a:bodyPr rtlCol="0" anchor="ctr"/>
+          <a:lstStyle/>
+          <a:p>
+            <a:pPr algn="ctr"/>
+            <a:r>
+              <a:rPr lang="en-US" sz="1000" dirty="0"/>
+              <a:t>LLM</a:t>
+            </a:r>
+          </a:p>
+          <a:p>
+            <a:pPr algn="ctr"/>
+            <a:r>
+              <a:rPr lang="en-US" sz="1000" dirty="0"/>
+              <a:t>(Merge and Rank)</a:t>
+            </a:r>
+          </a:p>
+        </p:txBody>
+      </p:sp>
+      <p:cxnSp>
+        <p:nvCxnSpPr>
+          <p:cNvPr id="91" name="Straight Arrow Connector 90">
+            <a:extLst>
+              <a:ext uri="{FF2B5EF4-FFF2-40B4-BE49-F238E27FC236}">
+                <a16:creationId xmlns:a16="http://schemas.microsoft.com/office/drawing/2014/main" id="{00A0290F-FBBA-7C18-8BE0-57A8660D5DB6}"/>
+              </a:ext>
+            </a:extLst>
+          </p:cNvPr>
+          <p:cNvCxnSpPr>
+            <a:stCxn id="88" idx="2"/>
+            <a:endCxn id="117" idx="0"/>
+          </p:cNvCxnSpPr>
+          <p:nvPr/>
+        </p:nvCxnSpPr>
+        <p:spPr>
+          <a:xfrm>
+            <a:off x="9163134" y="4773757"/>
+            <a:ext cx="0" cy="410576"/>
+          </a:xfrm>
+          <a:prstGeom prst="straightConnector1">
+            <a:avLst/>
+          </a:prstGeom>
+          <a:ln>
+            <a:tailEnd type="triangle"/>
+          </a:ln>
+        </p:spPr>
+        <p:style>
+          <a:lnRef idx="2">
+            <a:schemeClr val="accent1"/>
+          </a:lnRef>
+          <a:fillRef idx="0">
+            <a:schemeClr val="accent1"/>
+          </a:fillRef>
+          <a:effectRef idx="1">
+            <a:schemeClr val="accent1"/>
+          </a:effectRef>
+          <a:fontRef idx="minor">
+            <a:schemeClr val="tx1"/>
+          </a:fontRef>
+        </p:style>
+      </p:cxnSp>
+      <p:cxnSp>
+        <p:nvCxnSpPr>
+          <p:cNvPr id="95" name="Straight Arrow Connector 94">
+            <a:extLst>
+              <a:ext uri="{FF2B5EF4-FFF2-40B4-BE49-F238E27FC236}">
+                <a16:creationId xmlns:a16="http://schemas.microsoft.com/office/drawing/2014/main" id="{2477CD5E-A117-D1B3-7FB5-FB404ADE6703}"/>
+              </a:ext>
+            </a:extLst>
+          </p:cNvPr>
+          <p:cNvCxnSpPr>
+            <a:stCxn id="55" idx="2"/>
+            <a:endCxn id="83" idx="0"/>
+          </p:cNvCxnSpPr>
+          <p:nvPr/>
+        </p:nvCxnSpPr>
+        <p:spPr>
+          <a:xfrm flipH="1">
+            <a:off x="9163134" y="3306436"/>
+            <a:ext cx="1" cy="345897"/>
+          </a:xfrm>
+          <a:prstGeom prst="straightConnector1">
+            <a:avLst/>
+          </a:prstGeom>
+          <a:ln>
+            <a:tailEnd type="triangle"/>
+          </a:ln>
+        </p:spPr>
+        <p:style>
+          <a:lnRef idx="2">
+            <a:schemeClr val="accent1"/>
+          </a:lnRef>
+          <a:fillRef idx="0">
+            <a:schemeClr val="accent1"/>
+          </a:fillRef>
+          <a:effectRef idx="1">
+            <a:schemeClr val="accent1"/>
+          </a:effectRef>
+          <a:fontRef idx="minor">
+            <a:schemeClr val="tx1"/>
+          </a:fontRef>
+        </p:style>
+      </p:cxnSp>
+      <p:cxnSp>
+        <p:nvCxnSpPr>
+          <p:cNvPr id="98" name="Straight Arrow Connector 97">
+            <a:extLst>
+              <a:ext uri="{FF2B5EF4-FFF2-40B4-BE49-F238E27FC236}">
+                <a16:creationId xmlns:a16="http://schemas.microsoft.com/office/drawing/2014/main" id="{C8207DFB-BA20-8983-431E-670F57D77912}"/>
+              </a:ext>
+            </a:extLst>
+          </p:cNvPr>
+          <p:cNvCxnSpPr>
+            <a:stCxn id="83" idx="2"/>
+            <a:endCxn id="88" idx="0"/>
+          </p:cNvCxnSpPr>
+          <p:nvPr/>
+        </p:nvCxnSpPr>
+        <p:spPr>
+          <a:xfrm>
+            <a:off x="9163134" y="3960110"/>
+            <a:ext cx="0" cy="428095"/>
+          </a:xfrm>
+          <a:prstGeom prst="straightConnector1">
+            <a:avLst/>
+          </a:prstGeom>
+          <a:ln>
+            <a:tailEnd type="triangle"/>
+          </a:ln>
+        </p:spPr>
+        <p:style>
+          <a:lnRef idx="2">
+            <a:schemeClr val="accent1"/>
+          </a:lnRef>
+          <a:fillRef idx="0">
+            <a:schemeClr val="accent1"/>
+          </a:fillRef>
+          <a:effectRef idx="1">
+            <a:schemeClr val="accent1"/>
+          </a:effectRef>
+          <a:fontRef idx="minor">
+            <a:schemeClr val="tx1"/>
+          </a:fontRef>
+        </p:style>
+      </p:cxnSp>
     </p:spTree>
     <p:extLst>
       <p:ext uri="{BB962C8B-B14F-4D97-AF65-F5344CB8AC3E}">
